--- a/Docs/Refactoring.pptx
+++ b/Docs/Refactoring.pptx
@@ -231,7 +231,7 @@
           <a:p>
             <a:fld id="{95E63E71-47D9-49F0-9177-EDE23B3C2179}" type="datetimeFigureOut">
               <a:rPr lang="en-US" smtClean="0"/>
-              <a:t>1/25/2016</a:t>
+              <a:t>1/29/2016</a:t>
             </a:fld>
             <a:endParaRPr lang="en-US"/>
           </a:p>
@@ -1162,7 +1162,7 @@
           <a:p>
             <a:fld id="{A90A9342-4766-42AA-8790-79CD39A89B97}" type="datetimeFigureOut">
               <a:rPr lang="en-US" smtClean="0"/>
-              <a:t>1/25/2016</a:t>
+              <a:t>1/29/2016</a:t>
             </a:fld>
             <a:endParaRPr lang="en-US"/>
           </a:p>
@@ -1332,7 +1332,7 @@
           <a:p>
             <a:fld id="{A90A9342-4766-42AA-8790-79CD39A89B97}" type="datetimeFigureOut">
               <a:rPr lang="en-US" smtClean="0"/>
-              <a:t>1/25/2016</a:t>
+              <a:t>1/29/2016</a:t>
             </a:fld>
             <a:endParaRPr lang="en-US"/>
           </a:p>
@@ -1512,7 +1512,7 @@
           <a:p>
             <a:fld id="{A90A9342-4766-42AA-8790-79CD39A89B97}" type="datetimeFigureOut">
               <a:rPr lang="en-US" smtClean="0"/>
-              <a:t>1/25/2016</a:t>
+              <a:t>1/29/2016</a:t>
             </a:fld>
             <a:endParaRPr lang="en-US"/>
           </a:p>
@@ -1682,7 +1682,7 @@
           <a:p>
             <a:fld id="{A90A9342-4766-42AA-8790-79CD39A89B97}" type="datetimeFigureOut">
               <a:rPr lang="en-US" smtClean="0"/>
-              <a:t>1/25/2016</a:t>
+              <a:t>1/29/2016</a:t>
             </a:fld>
             <a:endParaRPr lang="en-US"/>
           </a:p>
@@ -1928,7 +1928,7 @@
           <a:p>
             <a:fld id="{A90A9342-4766-42AA-8790-79CD39A89B97}" type="datetimeFigureOut">
               <a:rPr lang="en-US" smtClean="0"/>
-              <a:t>1/25/2016</a:t>
+              <a:t>1/29/2016</a:t>
             </a:fld>
             <a:endParaRPr lang="en-US"/>
           </a:p>
@@ -2216,7 +2216,7 @@
           <a:p>
             <a:fld id="{A90A9342-4766-42AA-8790-79CD39A89B97}" type="datetimeFigureOut">
               <a:rPr lang="en-US" smtClean="0"/>
-              <a:t>1/25/2016</a:t>
+              <a:t>1/29/2016</a:t>
             </a:fld>
             <a:endParaRPr lang="en-US"/>
           </a:p>
@@ -2638,7 +2638,7 @@
           <a:p>
             <a:fld id="{A90A9342-4766-42AA-8790-79CD39A89B97}" type="datetimeFigureOut">
               <a:rPr lang="en-US" smtClean="0"/>
-              <a:t>1/25/2016</a:t>
+              <a:t>1/29/2016</a:t>
             </a:fld>
             <a:endParaRPr lang="en-US"/>
           </a:p>
@@ -2756,7 +2756,7 @@
           <a:p>
             <a:fld id="{A90A9342-4766-42AA-8790-79CD39A89B97}" type="datetimeFigureOut">
               <a:rPr lang="en-US" smtClean="0"/>
-              <a:t>1/25/2016</a:t>
+              <a:t>1/29/2016</a:t>
             </a:fld>
             <a:endParaRPr lang="en-US"/>
           </a:p>
@@ -2851,7 +2851,7 @@
           <a:p>
             <a:fld id="{A90A9342-4766-42AA-8790-79CD39A89B97}" type="datetimeFigureOut">
               <a:rPr lang="en-US" smtClean="0"/>
-              <a:t>1/25/2016</a:t>
+              <a:t>1/29/2016</a:t>
             </a:fld>
             <a:endParaRPr lang="en-US"/>
           </a:p>
@@ -3128,7 +3128,7 @@
           <a:p>
             <a:fld id="{A90A9342-4766-42AA-8790-79CD39A89B97}" type="datetimeFigureOut">
               <a:rPr lang="en-US" smtClean="0"/>
-              <a:t>1/25/2016</a:t>
+              <a:t>1/29/2016</a:t>
             </a:fld>
             <a:endParaRPr lang="en-US"/>
           </a:p>
@@ -3381,7 +3381,7 @@
           <a:p>
             <a:fld id="{A90A9342-4766-42AA-8790-79CD39A89B97}" type="datetimeFigureOut">
               <a:rPr lang="en-US" smtClean="0"/>
-              <a:t>1/25/2016</a:t>
+              <a:t>1/29/2016</a:t>
             </a:fld>
             <a:endParaRPr lang="en-US"/>
           </a:p>
@@ -3594,7 +3594,7 @@
           <a:p>
             <a:fld id="{A90A9342-4766-42AA-8790-79CD39A89B97}" type="datetimeFigureOut">
               <a:rPr lang="en-US" smtClean="0"/>
-              <a:t>1/25/2016</a:t>
+              <a:t>1/29/2016</a:t>
             </a:fld>
             <a:endParaRPr lang="en-US"/>
           </a:p>
@@ -6940,670 +6940,9 @@
   <p:timing>
     <p:tnLst>
       <p:par>
-        <p:cTn id="1" dur="indefinite" restart="never" nodeType="tmRoot">
-          <p:childTnLst>
-            <p:seq concurrent="1" nextAc="seek">
-              <p:cTn id="2" dur="indefinite" nodeType="mainSeq">
-                <p:childTnLst>
-                  <p:par>
-                    <p:cTn id="3" fill="hold">
-                      <p:stCondLst>
-                        <p:cond delay="indefinite"/>
-                      </p:stCondLst>
-                      <p:childTnLst>
-                        <p:par>
-                          <p:cTn id="4" fill="hold">
-                            <p:stCondLst>
-                              <p:cond delay="0"/>
-                            </p:stCondLst>
-                            <p:childTnLst>
-                              <p:par>
-                                <p:cTn id="5" presetID="1" presetClass="entr" presetSubtype="0" fill="hold" grpId="0" nodeType="clickEffect">
-                                  <p:stCondLst>
-                                    <p:cond delay="0"/>
-                                  </p:stCondLst>
-                                  <p:childTnLst>
-                                    <p:set>
-                                      <p:cBhvr>
-                                        <p:cTn id="6" dur="1" fill="hold">
-                                          <p:stCondLst>
-                                            <p:cond delay="0"/>
-                                          </p:stCondLst>
-                                        </p:cTn>
-                                        <p:tgtEl>
-                                          <p:spTgt spid="3">
-                                            <p:bg/>
-                                          </p:spTgt>
-                                        </p:tgtEl>
-                                        <p:attrNameLst>
-                                          <p:attrName>style.visibility</p:attrName>
-                                        </p:attrNameLst>
-                                      </p:cBhvr>
-                                      <p:to>
-                                        <p:strVal val="visible"/>
-                                      </p:to>
-                                    </p:set>
-                                  </p:childTnLst>
-                                </p:cTn>
-                              </p:par>
-                            </p:childTnLst>
-                          </p:cTn>
-                        </p:par>
-                      </p:childTnLst>
-                    </p:cTn>
-                  </p:par>
-                  <p:par>
-                    <p:cTn id="7" fill="hold">
-                      <p:stCondLst>
-                        <p:cond delay="indefinite"/>
-                      </p:stCondLst>
-                      <p:childTnLst>
-                        <p:par>
-                          <p:cTn id="8" fill="hold">
-                            <p:stCondLst>
-                              <p:cond delay="0"/>
-                            </p:stCondLst>
-                            <p:childTnLst>
-                              <p:par>
-                                <p:cTn id="9" presetID="1" presetClass="entr" presetSubtype="0" fill="hold" grpId="0" nodeType="clickEffect">
-                                  <p:stCondLst>
-                                    <p:cond delay="0"/>
-                                  </p:stCondLst>
-                                  <p:childTnLst>
-                                    <p:set>
-                                      <p:cBhvr>
-                                        <p:cTn id="10" dur="1" fill="hold">
-                                          <p:stCondLst>
-                                            <p:cond delay="0"/>
-                                          </p:stCondLst>
-                                        </p:cTn>
-                                        <p:tgtEl>
-                                          <p:spTgt spid="3">
-                                            <p:txEl>
-                                              <p:pRg st="0" end="0"/>
-                                            </p:txEl>
-                                          </p:spTgt>
-                                        </p:tgtEl>
-                                        <p:attrNameLst>
-                                          <p:attrName>style.visibility</p:attrName>
-                                        </p:attrNameLst>
-                                      </p:cBhvr>
-                                      <p:to>
-                                        <p:strVal val="visible"/>
-                                      </p:to>
-                                    </p:set>
-                                  </p:childTnLst>
-                                </p:cTn>
-                              </p:par>
-                            </p:childTnLst>
-                          </p:cTn>
-                        </p:par>
-                      </p:childTnLst>
-                    </p:cTn>
-                  </p:par>
-                  <p:par>
-                    <p:cTn id="11" fill="hold">
-                      <p:stCondLst>
-                        <p:cond delay="indefinite"/>
-                      </p:stCondLst>
-                      <p:childTnLst>
-                        <p:par>
-                          <p:cTn id="12" fill="hold">
-                            <p:stCondLst>
-                              <p:cond delay="0"/>
-                            </p:stCondLst>
-                            <p:childTnLst>
-                              <p:par>
-                                <p:cTn id="13" presetID="1" presetClass="entr" presetSubtype="0" fill="hold" grpId="0" nodeType="clickEffect">
-                                  <p:stCondLst>
-                                    <p:cond delay="0"/>
-                                  </p:stCondLst>
-                                  <p:childTnLst>
-                                    <p:set>
-                                      <p:cBhvr>
-                                        <p:cTn id="14" dur="1" fill="hold">
-                                          <p:stCondLst>
-                                            <p:cond delay="0"/>
-                                          </p:stCondLst>
-                                        </p:cTn>
-                                        <p:tgtEl>
-                                          <p:spTgt spid="3">
-                                            <p:txEl>
-                                              <p:pRg st="1" end="1"/>
-                                            </p:txEl>
-                                          </p:spTgt>
-                                        </p:tgtEl>
-                                        <p:attrNameLst>
-                                          <p:attrName>style.visibility</p:attrName>
-                                        </p:attrNameLst>
-                                      </p:cBhvr>
-                                      <p:to>
-                                        <p:strVal val="visible"/>
-                                      </p:to>
-                                    </p:set>
-                                  </p:childTnLst>
-                                </p:cTn>
-                              </p:par>
-                            </p:childTnLst>
-                          </p:cTn>
-                        </p:par>
-                      </p:childTnLst>
-                    </p:cTn>
-                  </p:par>
-                  <p:par>
-                    <p:cTn id="15" fill="hold">
-                      <p:stCondLst>
-                        <p:cond delay="indefinite"/>
-                      </p:stCondLst>
-                      <p:childTnLst>
-                        <p:par>
-                          <p:cTn id="16" fill="hold">
-                            <p:stCondLst>
-                              <p:cond delay="0"/>
-                            </p:stCondLst>
-                            <p:childTnLst>
-                              <p:par>
-                                <p:cTn id="17" presetID="1" presetClass="entr" presetSubtype="0" fill="hold" grpId="0" nodeType="clickEffect">
-                                  <p:stCondLst>
-                                    <p:cond delay="0"/>
-                                  </p:stCondLst>
-                                  <p:childTnLst>
-                                    <p:set>
-                                      <p:cBhvr>
-                                        <p:cTn id="18" dur="1" fill="hold">
-                                          <p:stCondLst>
-                                            <p:cond delay="0"/>
-                                          </p:stCondLst>
-                                        </p:cTn>
-                                        <p:tgtEl>
-                                          <p:spTgt spid="3">
-                                            <p:txEl>
-                                              <p:pRg st="2" end="2"/>
-                                            </p:txEl>
-                                          </p:spTgt>
-                                        </p:tgtEl>
-                                        <p:attrNameLst>
-                                          <p:attrName>style.visibility</p:attrName>
-                                        </p:attrNameLst>
-                                      </p:cBhvr>
-                                      <p:to>
-                                        <p:strVal val="visible"/>
-                                      </p:to>
-                                    </p:set>
-                                  </p:childTnLst>
-                                </p:cTn>
-                              </p:par>
-                            </p:childTnLst>
-                          </p:cTn>
-                        </p:par>
-                      </p:childTnLst>
-                    </p:cTn>
-                  </p:par>
-                  <p:par>
-                    <p:cTn id="19" fill="hold">
-                      <p:stCondLst>
-                        <p:cond delay="indefinite"/>
-                      </p:stCondLst>
-                      <p:childTnLst>
-                        <p:par>
-                          <p:cTn id="20" fill="hold">
-                            <p:stCondLst>
-                              <p:cond delay="0"/>
-                            </p:stCondLst>
-                            <p:childTnLst>
-                              <p:par>
-                                <p:cTn id="21" presetID="1" presetClass="entr" presetSubtype="0" fill="hold" grpId="0" nodeType="clickEffect">
-                                  <p:stCondLst>
-                                    <p:cond delay="0"/>
-                                  </p:stCondLst>
-                                  <p:childTnLst>
-                                    <p:set>
-                                      <p:cBhvr>
-                                        <p:cTn id="22" dur="1" fill="hold">
-                                          <p:stCondLst>
-                                            <p:cond delay="0"/>
-                                          </p:stCondLst>
-                                        </p:cTn>
-                                        <p:tgtEl>
-                                          <p:spTgt spid="3">
-                                            <p:txEl>
-                                              <p:pRg st="3" end="3"/>
-                                            </p:txEl>
-                                          </p:spTgt>
-                                        </p:tgtEl>
-                                        <p:attrNameLst>
-                                          <p:attrName>style.visibility</p:attrName>
-                                        </p:attrNameLst>
-                                      </p:cBhvr>
-                                      <p:to>
-                                        <p:strVal val="visible"/>
-                                      </p:to>
-                                    </p:set>
-                                  </p:childTnLst>
-                                </p:cTn>
-                              </p:par>
-                            </p:childTnLst>
-                          </p:cTn>
-                        </p:par>
-                      </p:childTnLst>
-                    </p:cTn>
-                  </p:par>
-                  <p:par>
-                    <p:cTn id="23" fill="hold">
-                      <p:stCondLst>
-                        <p:cond delay="indefinite"/>
-                      </p:stCondLst>
-                      <p:childTnLst>
-                        <p:par>
-                          <p:cTn id="24" fill="hold">
-                            <p:stCondLst>
-                              <p:cond delay="0"/>
-                            </p:stCondLst>
-                            <p:childTnLst>
-                              <p:par>
-                                <p:cTn id="25" presetID="1" presetClass="entr" presetSubtype="0" fill="hold" grpId="0" nodeType="clickEffect">
-                                  <p:stCondLst>
-                                    <p:cond delay="0"/>
-                                  </p:stCondLst>
-                                  <p:childTnLst>
-                                    <p:set>
-                                      <p:cBhvr>
-                                        <p:cTn id="26" dur="1" fill="hold">
-                                          <p:stCondLst>
-                                            <p:cond delay="0"/>
-                                          </p:stCondLst>
-                                        </p:cTn>
-                                        <p:tgtEl>
-                                          <p:spTgt spid="3">
-                                            <p:txEl>
-                                              <p:pRg st="4" end="4"/>
-                                            </p:txEl>
-                                          </p:spTgt>
-                                        </p:tgtEl>
-                                        <p:attrNameLst>
-                                          <p:attrName>style.visibility</p:attrName>
-                                        </p:attrNameLst>
-                                      </p:cBhvr>
-                                      <p:to>
-                                        <p:strVal val="visible"/>
-                                      </p:to>
-                                    </p:set>
-                                  </p:childTnLst>
-                                </p:cTn>
-                              </p:par>
-                            </p:childTnLst>
-                          </p:cTn>
-                        </p:par>
-                      </p:childTnLst>
-                    </p:cTn>
-                  </p:par>
-                  <p:par>
-                    <p:cTn id="27" fill="hold">
-                      <p:stCondLst>
-                        <p:cond delay="indefinite"/>
-                      </p:stCondLst>
-                      <p:childTnLst>
-                        <p:par>
-                          <p:cTn id="28" fill="hold">
-                            <p:stCondLst>
-                              <p:cond delay="0"/>
-                            </p:stCondLst>
-                            <p:childTnLst>
-                              <p:par>
-                                <p:cTn id="29" presetID="1" presetClass="entr" presetSubtype="0" fill="hold" grpId="0" nodeType="clickEffect">
-                                  <p:stCondLst>
-                                    <p:cond delay="0"/>
-                                  </p:stCondLst>
-                                  <p:childTnLst>
-                                    <p:set>
-                                      <p:cBhvr>
-                                        <p:cTn id="30" dur="1" fill="hold">
-                                          <p:stCondLst>
-                                            <p:cond delay="0"/>
-                                          </p:stCondLst>
-                                        </p:cTn>
-                                        <p:tgtEl>
-                                          <p:spTgt spid="3">
-                                            <p:txEl>
-                                              <p:pRg st="5" end="5"/>
-                                            </p:txEl>
-                                          </p:spTgt>
-                                        </p:tgtEl>
-                                        <p:attrNameLst>
-                                          <p:attrName>style.visibility</p:attrName>
-                                        </p:attrNameLst>
-                                      </p:cBhvr>
-                                      <p:to>
-                                        <p:strVal val="visible"/>
-                                      </p:to>
-                                    </p:set>
-                                  </p:childTnLst>
-                                </p:cTn>
-                              </p:par>
-                            </p:childTnLst>
-                          </p:cTn>
-                        </p:par>
-                      </p:childTnLst>
-                    </p:cTn>
-                  </p:par>
-                  <p:par>
-                    <p:cTn id="31" fill="hold">
-                      <p:stCondLst>
-                        <p:cond delay="indefinite"/>
-                      </p:stCondLst>
-                      <p:childTnLst>
-                        <p:par>
-                          <p:cTn id="32" fill="hold">
-                            <p:stCondLst>
-                              <p:cond delay="0"/>
-                            </p:stCondLst>
-                            <p:childTnLst>
-                              <p:par>
-                                <p:cTn id="33" presetID="1" presetClass="entr" presetSubtype="0" fill="hold" grpId="0" nodeType="clickEffect">
-                                  <p:stCondLst>
-                                    <p:cond delay="0"/>
-                                  </p:stCondLst>
-                                  <p:childTnLst>
-                                    <p:set>
-                                      <p:cBhvr>
-                                        <p:cTn id="34" dur="1" fill="hold">
-                                          <p:stCondLst>
-                                            <p:cond delay="0"/>
-                                          </p:stCondLst>
-                                        </p:cTn>
-                                        <p:tgtEl>
-                                          <p:spTgt spid="3">
-                                            <p:txEl>
-                                              <p:pRg st="6" end="6"/>
-                                            </p:txEl>
-                                          </p:spTgt>
-                                        </p:tgtEl>
-                                        <p:attrNameLst>
-                                          <p:attrName>style.visibility</p:attrName>
-                                        </p:attrNameLst>
-                                      </p:cBhvr>
-                                      <p:to>
-                                        <p:strVal val="visible"/>
-                                      </p:to>
-                                    </p:set>
-                                  </p:childTnLst>
-                                </p:cTn>
-                              </p:par>
-                            </p:childTnLst>
-                          </p:cTn>
-                        </p:par>
-                      </p:childTnLst>
-                    </p:cTn>
-                  </p:par>
-                  <p:par>
-                    <p:cTn id="35" fill="hold">
-                      <p:stCondLst>
-                        <p:cond delay="indefinite"/>
-                      </p:stCondLst>
-                      <p:childTnLst>
-                        <p:par>
-                          <p:cTn id="36" fill="hold">
-                            <p:stCondLst>
-                              <p:cond delay="0"/>
-                            </p:stCondLst>
-                            <p:childTnLst>
-                              <p:par>
-                                <p:cTn id="37" presetID="1" presetClass="entr" presetSubtype="0" fill="hold" grpId="0" nodeType="clickEffect">
-                                  <p:stCondLst>
-                                    <p:cond delay="0"/>
-                                  </p:stCondLst>
-                                  <p:childTnLst>
-                                    <p:set>
-                                      <p:cBhvr>
-                                        <p:cTn id="38" dur="1" fill="hold">
-                                          <p:stCondLst>
-                                            <p:cond delay="0"/>
-                                          </p:stCondLst>
-                                        </p:cTn>
-                                        <p:tgtEl>
-                                          <p:spTgt spid="3">
-                                            <p:txEl>
-                                              <p:pRg st="7" end="7"/>
-                                            </p:txEl>
-                                          </p:spTgt>
-                                        </p:tgtEl>
-                                        <p:attrNameLst>
-                                          <p:attrName>style.visibility</p:attrName>
-                                        </p:attrNameLst>
-                                      </p:cBhvr>
-                                      <p:to>
-                                        <p:strVal val="visible"/>
-                                      </p:to>
-                                    </p:set>
-                                  </p:childTnLst>
-                                </p:cTn>
-                              </p:par>
-                            </p:childTnLst>
-                          </p:cTn>
-                        </p:par>
-                      </p:childTnLst>
-                    </p:cTn>
-                  </p:par>
-                  <p:par>
-                    <p:cTn id="39" fill="hold">
-                      <p:stCondLst>
-                        <p:cond delay="indefinite"/>
-                      </p:stCondLst>
-                      <p:childTnLst>
-                        <p:par>
-                          <p:cTn id="40" fill="hold">
-                            <p:stCondLst>
-                              <p:cond delay="0"/>
-                            </p:stCondLst>
-                            <p:childTnLst>
-                              <p:par>
-                                <p:cTn id="41" presetID="1" presetClass="entr" presetSubtype="0" fill="hold" grpId="0" nodeType="clickEffect">
-                                  <p:stCondLst>
-                                    <p:cond delay="0"/>
-                                  </p:stCondLst>
-                                  <p:childTnLst>
-                                    <p:set>
-                                      <p:cBhvr>
-                                        <p:cTn id="42" dur="1" fill="hold">
-                                          <p:stCondLst>
-                                            <p:cond delay="0"/>
-                                          </p:stCondLst>
-                                        </p:cTn>
-                                        <p:tgtEl>
-                                          <p:spTgt spid="3">
-                                            <p:txEl>
-                                              <p:pRg st="8" end="8"/>
-                                            </p:txEl>
-                                          </p:spTgt>
-                                        </p:tgtEl>
-                                        <p:attrNameLst>
-                                          <p:attrName>style.visibility</p:attrName>
-                                        </p:attrNameLst>
-                                      </p:cBhvr>
-                                      <p:to>
-                                        <p:strVal val="visible"/>
-                                      </p:to>
-                                    </p:set>
-                                  </p:childTnLst>
-                                </p:cTn>
-                              </p:par>
-                            </p:childTnLst>
-                          </p:cTn>
-                        </p:par>
-                      </p:childTnLst>
-                    </p:cTn>
-                  </p:par>
-                  <p:par>
-                    <p:cTn id="43" fill="hold">
-                      <p:stCondLst>
-                        <p:cond delay="indefinite"/>
-                      </p:stCondLst>
-                      <p:childTnLst>
-                        <p:par>
-                          <p:cTn id="44" fill="hold">
-                            <p:stCondLst>
-                              <p:cond delay="0"/>
-                            </p:stCondLst>
-                            <p:childTnLst>
-                              <p:par>
-                                <p:cTn id="45" presetID="1" presetClass="entr" presetSubtype="0" fill="hold" grpId="0" nodeType="clickEffect">
-                                  <p:stCondLst>
-                                    <p:cond delay="0"/>
-                                  </p:stCondLst>
-                                  <p:childTnLst>
-                                    <p:set>
-                                      <p:cBhvr>
-                                        <p:cTn id="46" dur="1" fill="hold">
-                                          <p:stCondLst>
-                                            <p:cond delay="0"/>
-                                          </p:stCondLst>
-                                        </p:cTn>
-                                        <p:tgtEl>
-                                          <p:spTgt spid="3">
-                                            <p:txEl>
-                                              <p:pRg st="9" end="9"/>
-                                            </p:txEl>
-                                          </p:spTgt>
-                                        </p:tgtEl>
-                                        <p:attrNameLst>
-                                          <p:attrName>style.visibility</p:attrName>
-                                        </p:attrNameLst>
-                                      </p:cBhvr>
-                                      <p:to>
-                                        <p:strVal val="visible"/>
-                                      </p:to>
-                                    </p:set>
-                                  </p:childTnLst>
-                                </p:cTn>
-                              </p:par>
-                            </p:childTnLst>
-                          </p:cTn>
-                        </p:par>
-                      </p:childTnLst>
-                    </p:cTn>
-                  </p:par>
-                  <p:par>
-                    <p:cTn id="47" fill="hold">
-                      <p:stCondLst>
-                        <p:cond delay="indefinite"/>
-                      </p:stCondLst>
-                      <p:childTnLst>
-                        <p:par>
-                          <p:cTn id="48" fill="hold">
-                            <p:stCondLst>
-                              <p:cond delay="0"/>
-                            </p:stCondLst>
-                            <p:childTnLst>
-                              <p:par>
-                                <p:cTn id="49" presetID="1" presetClass="entr" presetSubtype="0" fill="hold" grpId="0" nodeType="clickEffect">
-                                  <p:stCondLst>
-                                    <p:cond delay="0"/>
-                                  </p:stCondLst>
-                                  <p:childTnLst>
-                                    <p:set>
-                                      <p:cBhvr>
-                                        <p:cTn id="50" dur="1" fill="hold">
-                                          <p:stCondLst>
-                                            <p:cond delay="0"/>
-                                          </p:stCondLst>
-                                        </p:cTn>
-                                        <p:tgtEl>
-                                          <p:spTgt spid="3">
-                                            <p:txEl>
-                                              <p:pRg st="10" end="10"/>
-                                            </p:txEl>
-                                          </p:spTgt>
-                                        </p:tgtEl>
-                                        <p:attrNameLst>
-                                          <p:attrName>style.visibility</p:attrName>
-                                        </p:attrNameLst>
-                                      </p:cBhvr>
-                                      <p:to>
-                                        <p:strVal val="visible"/>
-                                      </p:to>
-                                    </p:set>
-                                  </p:childTnLst>
-                                </p:cTn>
-                              </p:par>
-                            </p:childTnLst>
-                          </p:cTn>
-                        </p:par>
-                      </p:childTnLst>
-                    </p:cTn>
-                  </p:par>
-                  <p:par>
-                    <p:cTn id="51" fill="hold">
-                      <p:stCondLst>
-                        <p:cond delay="indefinite"/>
-                      </p:stCondLst>
-                      <p:childTnLst>
-                        <p:par>
-                          <p:cTn id="52" fill="hold">
-                            <p:stCondLst>
-                              <p:cond delay="0"/>
-                            </p:stCondLst>
-                            <p:childTnLst>
-                              <p:par>
-                                <p:cTn id="53" presetID="1" presetClass="entr" presetSubtype="0" fill="hold" grpId="0" nodeType="clickEffect">
-                                  <p:stCondLst>
-                                    <p:cond delay="0"/>
-                                  </p:stCondLst>
-                                  <p:childTnLst>
-                                    <p:set>
-                                      <p:cBhvr>
-                                        <p:cTn id="54" dur="1" fill="hold">
-                                          <p:stCondLst>
-                                            <p:cond delay="0"/>
-                                          </p:stCondLst>
-                                        </p:cTn>
-                                        <p:tgtEl>
-                                          <p:spTgt spid="3">
-                                            <p:txEl>
-                                              <p:pRg st="11" end="11"/>
-                                            </p:txEl>
-                                          </p:spTgt>
-                                        </p:tgtEl>
-                                        <p:attrNameLst>
-                                          <p:attrName>style.visibility</p:attrName>
-                                        </p:attrNameLst>
-                                      </p:cBhvr>
-                                      <p:to>
-                                        <p:strVal val="visible"/>
-                                      </p:to>
-                                    </p:set>
-                                  </p:childTnLst>
-                                </p:cTn>
-                              </p:par>
-                            </p:childTnLst>
-                          </p:cTn>
-                        </p:par>
-                      </p:childTnLst>
-                    </p:cTn>
-                  </p:par>
-                </p:childTnLst>
-              </p:cTn>
-              <p:prevCondLst>
-                <p:cond evt="onPrev" delay="0">
-                  <p:tgtEl>
-                    <p:sldTgt/>
-                  </p:tgtEl>
-                </p:cond>
-              </p:prevCondLst>
-              <p:nextCondLst>
-                <p:cond evt="onNext" delay="0">
-                  <p:tgtEl>
-                    <p:sldTgt/>
-                  </p:tgtEl>
-                </p:cond>
-              </p:nextCondLst>
-            </p:seq>
-          </p:childTnLst>
-        </p:cTn>
+        <p:cTn id="1" dur="indefinite" restart="never" nodeType="tmRoot"/>
       </p:par>
     </p:tnLst>
-    <p:bldLst>
-      <p:bldP spid="3" grpId="0" build="p" animBg="1"/>
-    </p:bldLst>
   </p:timing>
 </p:sld>
 </file>
@@ -8669,670 +8008,9 @@
   <p:timing>
     <p:tnLst>
       <p:par>
-        <p:cTn id="1" dur="indefinite" restart="never" nodeType="tmRoot">
-          <p:childTnLst>
-            <p:seq concurrent="1" nextAc="seek">
-              <p:cTn id="2" dur="indefinite" nodeType="mainSeq">
-                <p:childTnLst>
-                  <p:par>
-                    <p:cTn id="3" fill="hold">
-                      <p:stCondLst>
-                        <p:cond delay="indefinite"/>
-                      </p:stCondLst>
-                      <p:childTnLst>
-                        <p:par>
-                          <p:cTn id="4" fill="hold">
-                            <p:stCondLst>
-                              <p:cond delay="0"/>
-                            </p:stCondLst>
-                            <p:childTnLst>
-                              <p:par>
-                                <p:cTn id="5" presetID="1" presetClass="entr" presetSubtype="0" fill="hold" grpId="0" nodeType="clickEffect">
-                                  <p:stCondLst>
-                                    <p:cond delay="0"/>
-                                  </p:stCondLst>
-                                  <p:childTnLst>
-                                    <p:set>
-                                      <p:cBhvr>
-                                        <p:cTn id="6" dur="1" fill="hold">
-                                          <p:stCondLst>
-                                            <p:cond delay="0"/>
-                                          </p:stCondLst>
-                                        </p:cTn>
-                                        <p:tgtEl>
-                                          <p:spTgt spid="3">
-                                            <p:bg/>
-                                          </p:spTgt>
-                                        </p:tgtEl>
-                                        <p:attrNameLst>
-                                          <p:attrName>style.visibility</p:attrName>
-                                        </p:attrNameLst>
-                                      </p:cBhvr>
-                                      <p:to>
-                                        <p:strVal val="visible"/>
-                                      </p:to>
-                                    </p:set>
-                                  </p:childTnLst>
-                                </p:cTn>
-                              </p:par>
-                            </p:childTnLst>
-                          </p:cTn>
-                        </p:par>
-                      </p:childTnLst>
-                    </p:cTn>
-                  </p:par>
-                  <p:par>
-                    <p:cTn id="7" fill="hold">
-                      <p:stCondLst>
-                        <p:cond delay="indefinite"/>
-                      </p:stCondLst>
-                      <p:childTnLst>
-                        <p:par>
-                          <p:cTn id="8" fill="hold">
-                            <p:stCondLst>
-                              <p:cond delay="0"/>
-                            </p:stCondLst>
-                            <p:childTnLst>
-                              <p:par>
-                                <p:cTn id="9" presetID="1" presetClass="entr" presetSubtype="0" fill="hold" grpId="0" nodeType="clickEffect">
-                                  <p:stCondLst>
-                                    <p:cond delay="0"/>
-                                  </p:stCondLst>
-                                  <p:childTnLst>
-                                    <p:set>
-                                      <p:cBhvr>
-                                        <p:cTn id="10" dur="1" fill="hold">
-                                          <p:stCondLst>
-                                            <p:cond delay="0"/>
-                                          </p:stCondLst>
-                                        </p:cTn>
-                                        <p:tgtEl>
-                                          <p:spTgt spid="3">
-                                            <p:txEl>
-                                              <p:pRg st="0" end="0"/>
-                                            </p:txEl>
-                                          </p:spTgt>
-                                        </p:tgtEl>
-                                        <p:attrNameLst>
-                                          <p:attrName>style.visibility</p:attrName>
-                                        </p:attrNameLst>
-                                      </p:cBhvr>
-                                      <p:to>
-                                        <p:strVal val="visible"/>
-                                      </p:to>
-                                    </p:set>
-                                  </p:childTnLst>
-                                </p:cTn>
-                              </p:par>
-                            </p:childTnLst>
-                          </p:cTn>
-                        </p:par>
-                      </p:childTnLst>
-                    </p:cTn>
-                  </p:par>
-                  <p:par>
-                    <p:cTn id="11" fill="hold">
-                      <p:stCondLst>
-                        <p:cond delay="indefinite"/>
-                      </p:stCondLst>
-                      <p:childTnLst>
-                        <p:par>
-                          <p:cTn id="12" fill="hold">
-                            <p:stCondLst>
-                              <p:cond delay="0"/>
-                            </p:stCondLst>
-                            <p:childTnLst>
-                              <p:par>
-                                <p:cTn id="13" presetID="1" presetClass="entr" presetSubtype="0" fill="hold" grpId="0" nodeType="clickEffect">
-                                  <p:stCondLst>
-                                    <p:cond delay="0"/>
-                                  </p:stCondLst>
-                                  <p:childTnLst>
-                                    <p:set>
-                                      <p:cBhvr>
-                                        <p:cTn id="14" dur="1" fill="hold">
-                                          <p:stCondLst>
-                                            <p:cond delay="0"/>
-                                          </p:stCondLst>
-                                        </p:cTn>
-                                        <p:tgtEl>
-                                          <p:spTgt spid="3">
-                                            <p:txEl>
-                                              <p:pRg st="1" end="1"/>
-                                            </p:txEl>
-                                          </p:spTgt>
-                                        </p:tgtEl>
-                                        <p:attrNameLst>
-                                          <p:attrName>style.visibility</p:attrName>
-                                        </p:attrNameLst>
-                                      </p:cBhvr>
-                                      <p:to>
-                                        <p:strVal val="visible"/>
-                                      </p:to>
-                                    </p:set>
-                                  </p:childTnLst>
-                                </p:cTn>
-                              </p:par>
-                            </p:childTnLst>
-                          </p:cTn>
-                        </p:par>
-                      </p:childTnLst>
-                    </p:cTn>
-                  </p:par>
-                  <p:par>
-                    <p:cTn id="15" fill="hold">
-                      <p:stCondLst>
-                        <p:cond delay="indefinite"/>
-                      </p:stCondLst>
-                      <p:childTnLst>
-                        <p:par>
-                          <p:cTn id="16" fill="hold">
-                            <p:stCondLst>
-                              <p:cond delay="0"/>
-                            </p:stCondLst>
-                            <p:childTnLst>
-                              <p:par>
-                                <p:cTn id="17" presetID="1" presetClass="entr" presetSubtype="0" fill="hold" grpId="0" nodeType="clickEffect">
-                                  <p:stCondLst>
-                                    <p:cond delay="0"/>
-                                  </p:stCondLst>
-                                  <p:childTnLst>
-                                    <p:set>
-                                      <p:cBhvr>
-                                        <p:cTn id="18" dur="1" fill="hold">
-                                          <p:stCondLst>
-                                            <p:cond delay="0"/>
-                                          </p:stCondLst>
-                                        </p:cTn>
-                                        <p:tgtEl>
-                                          <p:spTgt spid="3">
-                                            <p:txEl>
-                                              <p:pRg st="2" end="2"/>
-                                            </p:txEl>
-                                          </p:spTgt>
-                                        </p:tgtEl>
-                                        <p:attrNameLst>
-                                          <p:attrName>style.visibility</p:attrName>
-                                        </p:attrNameLst>
-                                      </p:cBhvr>
-                                      <p:to>
-                                        <p:strVal val="visible"/>
-                                      </p:to>
-                                    </p:set>
-                                  </p:childTnLst>
-                                </p:cTn>
-                              </p:par>
-                            </p:childTnLst>
-                          </p:cTn>
-                        </p:par>
-                      </p:childTnLst>
-                    </p:cTn>
-                  </p:par>
-                  <p:par>
-                    <p:cTn id="19" fill="hold">
-                      <p:stCondLst>
-                        <p:cond delay="indefinite"/>
-                      </p:stCondLst>
-                      <p:childTnLst>
-                        <p:par>
-                          <p:cTn id="20" fill="hold">
-                            <p:stCondLst>
-                              <p:cond delay="0"/>
-                            </p:stCondLst>
-                            <p:childTnLst>
-                              <p:par>
-                                <p:cTn id="21" presetID="1" presetClass="entr" presetSubtype="0" fill="hold" grpId="0" nodeType="clickEffect">
-                                  <p:stCondLst>
-                                    <p:cond delay="0"/>
-                                  </p:stCondLst>
-                                  <p:childTnLst>
-                                    <p:set>
-                                      <p:cBhvr>
-                                        <p:cTn id="22" dur="1" fill="hold">
-                                          <p:stCondLst>
-                                            <p:cond delay="0"/>
-                                          </p:stCondLst>
-                                        </p:cTn>
-                                        <p:tgtEl>
-                                          <p:spTgt spid="3">
-                                            <p:txEl>
-                                              <p:pRg st="3" end="3"/>
-                                            </p:txEl>
-                                          </p:spTgt>
-                                        </p:tgtEl>
-                                        <p:attrNameLst>
-                                          <p:attrName>style.visibility</p:attrName>
-                                        </p:attrNameLst>
-                                      </p:cBhvr>
-                                      <p:to>
-                                        <p:strVal val="visible"/>
-                                      </p:to>
-                                    </p:set>
-                                  </p:childTnLst>
-                                </p:cTn>
-                              </p:par>
-                            </p:childTnLst>
-                          </p:cTn>
-                        </p:par>
-                      </p:childTnLst>
-                    </p:cTn>
-                  </p:par>
-                  <p:par>
-                    <p:cTn id="23" fill="hold">
-                      <p:stCondLst>
-                        <p:cond delay="indefinite"/>
-                      </p:stCondLst>
-                      <p:childTnLst>
-                        <p:par>
-                          <p:cTn id="24" fill="hold">
-                            <p:stCondLst>
-                              <p:cond delay="0"/>
-                            </p:stCondLst>
-                            <p:childTnLst>
-                              <p:par>
-                                <p:cTn id="25" presetID="1" presetClass="entr" presetSubtype="0" fill="hold" grpId="0" nodeType="clickEffect">
-                                  <p:stCondLst>
-                                    <p:cond delay="0"/>
-                                  </p:stCondLst>
-                                  <p:childTnLst>
-                                    <p:set>
-                                      <p:cBhvr>
-                                        <p:cTn id="26" dur="1" fill="hold">
-                                          <p:stCondLst>
-                                            <p:cond delay="0"/>
-                                          </p:stCondLst>
-                                        </p:cTn>
-                                        <p:tgtEl>
-                                          <p:spTgt spid="3">
-                                            <p:txEl>
-                                              <p:pRg st="4" end="4"/>
-                                            </p:txEl>
-                                          </p:spTgt>
-                                        </p:tgtEl>
-                                        <p:attrNameLst>
-                                          <p:attrName>style.visibility</p:attrName>
-                                        </p:attrNameLst>
-                                      </p:cBhvr>
-                                      <p:to>
-                                        <p:strVal val="visible"/>
-                                      </p:to>
-                                    </p:set>
-                                  </p:childTnLst>
-                                </p:cTn>
-                              </p:par>
-                            </p:childTnLst>
-                          </p:cTn>
-                        </p:par>
-                      </p:childTnLst>
-                    </p:cTn>
-                  </p:par>
-                  <p:par>
-                    <p:cTn id="27" fill="hold">
-                      <p:stCondLst>
-                        <p:cond delay="indefinite"/>
-                      </p:stCondLst>
-                      <p:childTnLst>
-                        <p:par>
-                          <p:cTn id="28" fill="hold">
-                            <p:stCondLst>
-                              <p:cond delay="0"/>
-                            </p:stCondLst>
-                            <p:childTnLst>
-                              <p:par>
-                                <p:cTn id="29" presetID="1" presetClass="entr" presetSubtype="0" fill="hold" grpId="0" nodeType="clickEffect">
-                                  <p:stCondLst>
-                                    <p:cond delay="0"/>
-                                  </p:stCondLst>
-                                  <p:childTnLst>
-                                    <p:set>
-                                      <p:cBhvr>
-                                        <p:cTn id="30" dur="1" fill="hold">
-                                          <p:stCondLst>
-                                            <p:cond delay="0"/>
-                                          </p:stCondLst>
-                                        </p:cTn>
-                                        <p:tgtEl>
-                                          <p:spTgt spid="3">
-                                            <p:txEl>
-                                              <p:pRg st="5" end="5"/>
-                                            </p:txEl>
-                                          </p:spTgt>
-                                        </p:tgtEl>
-                                        <p:attrNameLst>
-                                          <p:attrName>style.visibility</p:attrName>
-                                        </p:attrNameLst>
-                                      </p:cBhvr>
-                                      <p:to>
-                                        <p:strVal val="visible"/>
-                                      </p:to>
-                                    </p:set>
-                                  </p:childTnLst>
-                                </p:cTn>
-                              </p:par>
-                            </p:childTnLst>
-                          </p:cTn>
-                        </p:par>
-                      </p:childTnLst>
-                    </p:cTn>
-                  </p:par>
-                  <p:par>
-                    <p:cTn id="31" fill="hold">
-                      <p:stCondLst>
-                        <p:cond delay="indefinite"/>
-                      </p:stCondLst>
-                      <p:childTnLst>
-                        <p:par>
-                          <p:cTn id="32" fill="hold">
-                            <p:stCondLst>
-                              <p:cond delay="0"/>
-                            </p:stCondLst>
-                            <p:childTnLst>
-                              <p:par>
-                                <p:cTn id="33" presetID="1" presetClass="entr" presetSubtype="0" fill="hold" grpId="0" nodeType="clickEffect">
-                                  <p:stCondLst>
-                                    <p:cond delay="0"/>
-                                  </p:stCondLst>
-                                  <p:childTnLst>
-                                    <p:set>
-                                      <p:cBhvr>
-                                        <p:cTn id="34" dur="1" fill="hold">
-                                          <p:stCondLst>
-                                            <p:cond delay="0"/>
-                                          </p:stCondLst>
-                                        </p:cTn>
-                                        <p:tgtEl>
-                                          <p:spTgt spid="3">
-                                            <p:txEl>
-                                              <p:pRg st="6" end="6"/>
-                                            </p:txEl>
-                                          </p:spTgt>
-                                        </p:tgtEl>
-                                        <p:attrNameLst>
-                                          <p:attrName>style.visibility</p:attrName>
-                                        </p:attrNameLst>
-                                      </p:cBhvr>
-                                      <p:to>
-                                        <p:strVal val="visible"/>
-                                      </p:to>
-                                    </p:set>
-                                  </p:childTnLst>
-                                </p:cTn>
-                              </p:par>
-                            </p:childTnLst>
-                          </p:cTn>
-                        </p:par>
-                      </p:childTnLst>
-                    </p:cTn>
-                  </p:par>
-                  <p:par>
-                    <p:cTn id="35" fill="hold">
-                      <p:stCondLst>
-                        <p:cond delay="indefinite"/>
-                      </p:stCondLst>
-                      <p:childTnLst>
-                        <p:par>
-                          <p:cTn id="36" fill="hold">
-                            <p:stCondLst>
-                              <p:cond delay="0"/>
-                            </p:stCondLst>
-                            <p:childTnLst>
-                              <p:par>
-                                <p:cTn id="37" presetID="1" presetClass="entr" presetSubtype="0" fill="hold" grpId="0" nodeType="clickEffect">
-                                  <p:stCondLst>
-                                    <p:cond delay="0"/>
-                                  </p:stCondLst>
-                                  <p:childTnLst>
-                                    <p:set>
-                                      <p:cBhvr>
-                                        <p:cTn id="38" dur="1" fill="hold">
-                                          <p:stCondLst>
-                                            <p:cond delay="0"/>
-                                          </p:stCondLst>
-                                        </p:cTn>
-                                        <p:tgtEl>
-                                          <p:spTgt spid="3">
-                                            <p:txEl>
-                                              <p:pRg st="7" end="7"/>
-                                            </p:txEl>
-                                          </p:spTgt>
-                                        </p:tgtEl>
-                                        <p:attrNameLst>
-                                          <p:attrName>style.visibility</p:attrName>
-                                        </p:attrNameLst>
-                                      </p:cBhvr>
-                                      <p:to>
-                                        <p:strVal val="visible"/>
-                                      </p:to>
-                                    </p:set>
-                                  </p:childTnLst>
-                                </p:cTn>
-                              </p:par>
-                            </p:childTnLst>
-                          </p:cTn>
-                        </p:par>
-                      </p:childTnLst>
-                    </p:cTn>
-                  </p:par>
-                  <p:par>
-                    <p:cTn id="39" fill="hold">
-                      <p:stCondLst>
-                        <p:cond delay="indefinite"/>
-                      </p:stCondLst>
-                      <p:childTnLst>
-                        <p:par>
-                          <p:cTn id="40" fill="hold">
-                            <p:stCondLst>
-                              <p:cond delay="0"/>
-                            </p:stCondLst>
-                            <p:childTnLst>
-                              <p:par>
-                                <p:cTn id="41" presetID="1" presetClass="entr" presetSubtype="0" fill="hold" grpId="0" nodeType="clickEffect">
-                                  <p:stCondLst>
-                                    <p:cond delay="0"/>
-                                  </p:stCondLst>
-                                  <p:childTnLst>
-                                    <p:set>
-                                      <p:cBhvr>
-                                        <p:cTn id="42" dur="1" fill="hold">
-                                          <p:stCondLst>
-                                            <p:cond delay="0"/>
-                                          </p:stCondLst>
-                                        </p:cTn>
-                                        <p:tgtEl>
-                                          <p:spTgt spid="3">
-                                            <p:txEl>
-                                              <p:pRg st="8" end="8"/>
-                                            </p:txEl>
-                                          </p:spTgt>
-                                        </p:tgtEl>
-                                        <p:attrNameLst>
-                                          <p:attrName>style.visibility</p:attrName>
-                                        </p:attrNameLst>
-                                      </p:cBhvr>
-                                      <p:to>
-                                        <p:strVal val="visible"/>
-                                      </p:to>
-                                    </p:set>
-                                  </p:childTnLst>
-                                </p:cTn>
-                              </p:par>
-                            </p:childTnLst>
-                          </p:cTn>
-                        </p:par>
-                      </p:childTnLst>
-                    </p:cTn>
-                  </p:par>
-                  <p:par>
-                    <p:cTn id="43" fill="hold">
-                      <p:stCondLst>
-                        <p:cond delay="indefinite"/>
-                      </p:stCondLst>
-                      <p:childTnLst>
-                        <p:par>
-                          <p:cTn id="44" fill="hold">
-                            <p:stCondLst>
-                              <p:cond delay="0"/>
-                            </p:stCondLst>
-                            <p:childTnLst>
-                              <p:par>
-                                <p:cTn id="45" presetID="1" presetClass="entr" presetSubtype="0" fill="hold" grpId="0" nodeType="clickEffect">
-                                  <p:stCondLst>
-                                    <p:cond delay="0"/>
-                                  </p:stCondLst>
-                                  <p:childTnLst>
-                                    <p:set>
-                                      <p:cBhvr>
-                                        <p:cTn id="46" dur="1" fill="hold">
-                                          <p:stCondLst>
-                                            <p:cond delay="0"/>
-                                          </p:stCondLst>
-                                        </p:cTn>
-                                        <p:tgtEl>
-                                          <p:spTgt spid="3">
-                                            <p:txEl>
-                                              <p:pRg st="9" end="9"/>
-                                            </p:txEl>
-                                          </p:spTgt>
-                                        </p:tgtEl>
-                                        <p:attrNameLst>
-                                          <p:attrName>style.visibility</p:attrName>
-                                        </p:attrNameLst>
-                                      </p:cBhvr>
-                                      <p:to>
-                                        <p:strVal val="visible"/>
-                                      </p:to>
-                                    </p:set>
-                                  </p:childTnLst>
-                                </p:cTn>
-                              </p:par>
-                            </p:childTnLst>
-                          </p:cTn>
-                        </p:par>
-                      </p:childTnLst>
-                    </p:cTn>
-                  </p:par>
-                  <p:par>
-                    <p:cTn id="47" fill="hold">
-                      <p:stCondLst>
-                        <p:cond delay="indefinite"/>
-                      </p:stCondLst>
-                      <p:childTnLst>
-                        <p:par>
-                          <p:cTn id="48" fill="hold">
-                            <p:stCondLst>
-                              <p:cond delay="0"/>
-                            </p:stCondLst>
-                            <p:childTnLst>
-                              <p:par>
-                                <p:cTn id="49" presetID="1" presetClass="entr" presetSubtype="0" fill="hold" grpId="0" nodeType="clickEffect">
-                                  <p:stCondLst>
-                                    <p:cond delay="0"/>
-                                  </p:stCondLst>
-                                  <p:childTnLst>
-                                    <p:set>
-                                      <p:cBhvr>
-                                        <p:cTn id="50" dur="1" fill="hold">
-                                          <p:stCondLst>
-                                            <p:cond delay="0"/>
-                                          </p:stCondLst>
-                                        </p:cTn>
-                                        <p:tgtEl>
-                                          <p:spTgt spid="3">
-                                            <p:txEl>
-                                              <p:pRg st="10" end="10"/>
-                                            </p:txEl>
-                                          </p:spTgt>
-                                        </p:tgtEl>
-                                        <p:attrNameLst>
-                                          <p:attrName>style.visibility</p:attrName>
-                                        </p:attrNameLst>
-                                      </p:cBhvr>
-                                      <p:to>
-                                        <p:strVal val="visible"/>
-                                      </p:to>
-                                    </p:set>
-                                  </p:childTnLst>
-                                </p:cTn>
-                              </p:par>
-                            </p:childTnLst>
-                          </p:cTn>
-                        </p:par>
-                      </p:childTnLst>
-                    </p:cTn>
-                  </p:par>
-                  <p:par>
-                    <p:cTn id="51" fill="hold">
-                      <p:stCondLst>
-                        <p:cond delay="indefinite"/>
-                      </p:stCondLst>
-                      <p:childTnLst>
-                        <p:par>
-                          <p:cTn id="52" fill="hold">
-                            <p:stCondLst>
-                              <p:cond delay="0"/>
-                            </p:stCondLst>
-                            <p:childTnLst>
-                              <p:par>
-                                <p:cTn id="53" presetID="1" presetClass="entr" presetSubtype="0" fill="hold" grpId="0" nodeType="clickEffect">
-                                  <p:stCondLst>
-                                    <p:cond delay="0"/>
-                                  </p:stCondLst>
-                                  <p:childTnLst>
-                                    <p:set>
-                                      <p:cBhvr>
-                                        <p:cTn id="54" dur="1" fill="hold">
-                                          <p:stCondLst>
-                                            <p:cond delay="0"/>
-                                          </p:stCondLst>
-                                        </p:cTn>
-                                        <p:tgtEl>
-                                          <p:spTgt spid="3">
-                                            <p:txEl>
-                                              <p:pRg st="11" end="11"/>
-                                            </p:txEl>
-                                          </p:spTgt>
-                                        </p:tgtEl>
-                                        <p:attrNameLst>
-                                          <p:attrName>style.visibility</p:attrName>
-                                        </p:attrNameLst>
-                                      </p:cBhvr>
-                                      <p:to>
-                                        <p:strVal val="visible"/>
-                                      </p:to>
-                                    </p:set>
-                                  </p:childTnLst>
-                                </p:cTn>
-                              </p:par>
-                            </p:childTnLst>
-                          </p:cTn>
-                        </p:par>
-                      </p:childTnLst>
-                    </p:cTn>
-                  </p:par>
-                </p:childTnLst>
-              </p:cTn>
-              <p:prevCondLst>
-                <p:cond evt="onPrev" delay="0">
-                  <p:tgtEl>
-                    <p:sldTgt/>
-                  </p:tgtEl>
-                </p:cond>
-              </p:prevCondLst>
-              <p:nextCondLst>
-                <p:cond evt="onNext" delay="0">
-                  <p:tgtEl>
-                    <p:sldTgt/>
-                  </p:tgtEl>
-                </p:cond>
-              </p:nextCondLst>
-            </p:seq>
-          </p:childTnLst>
-        </p:cTn>
+        <p:cTn id="1" dur="indefinite" restart="never" nodeType="tmRoot"/>
       </p:par>
     </p:tnLst>
-    <p:bldLst>
-      <p:bldP spid="3" grpId="0" build="p" animBg="1"/>
-    </p:bldLst>
   </p:timing>
 </p:sld>
 </file>
@@ -10593,670 +9271,9 @@
   <p:timing>
     <p:tnLst>
       <p:par>
-        <p:cTn id="1" dur="indefinite" restart="never" nodeType="tmRoot">
-          <p:childTnLst>
-            <p:seq concurrent="1" nextAc="seek">
-              <p:cTn id="2" dur="indefinite" nodeType="mainSeq">
-                <p:childTnLst>
-                  <p:par>
-                    <p:cTn id="3" fill="hold">
-                      <p:stCondLst>
-                        <p:cond delay="indefinite"/>
-                      </p:stCondLst>
-                      <p:childTnLst>
-                        <p:par>
-                          <p:cTn id="4" fill="hold">
-                            <p:stCondLst>
-                              <p:cond delay="0"/>
-                            </p:stCondLst>
-                            <p:childTnLst>
-                              <p:par>
-                                <p:cTn id="5" presetID="1" presetClass="entr" presetSubtype="0" fill="hold" grpId="0" nodeType="clickEffect">
-                                  <p:stCondLst>
-                                    <p:cond delay="0"/>
-                                  </p:stCondLst>
-                                  <p:childTnLst>
-                                    <p:set>
-                                      <p:cBhvr>
-                                        <p:cTn id="6" dur="1" fill="hold">
-                                          <p:stCondLst>
-                                            <p:cond delay="0"/>
-                                          </p:stCondLst>
-                                        </p:cTn>
-                                        <p:tgtEl>
-                                          <p:spTgt spid="3">
-                                            <p:bg/>
-                                          </p:spTgt>
-                                        </p:tgtEl>
-                                        <p:attrNameLst>
-                                          <p:attrName>style.visibility</p:attrName>
-                                        </p:attrNameLst>
-                                      </p:cBhvr>
-                                      <p:to>
-                                        <p:strVal val="visible"/>
-                                      </p:to>
-                                    </p:set>
-                                  </p:childTnLst>
-                                </p:cTn>
-                              </p:par>
-                            </p:childTnLst>
-                          </p:cTn>
-                        </p:par>
-                      </p:childTnLst>
-                    </p:cTn>
-                  </p:par>
-                  <p:par>
-                    <p:cTn id="7" fill="hold">
-                      <p:stCondLst>
-                        <p:cond delay="indefinite"/>
-                      </p:stCondLst>
-                      <p:childTnLst>
-                        <p:par>
-                          <p:cTn id="8" fill="hold">
-                            <p:stCondLst>
-                              <p:cond delay="0"/>
-                            </p:stCondLst>
-                            <p:childTnLst>
-                              <p:par>
-                                <p:cTn id="9" presetID="1" presetClass="entr" presetSubtype="0" fill="hold" grpId="0" nodeType="clickEffect">
-                                  <p:stCondLst>
-                                    <p:cond delay="0"/>
-                                  </p:stCondLst>
-                                  <p:childTnLst>
-                                    <p:set>
-                                      <p:cBhvr>
-                                        <p:cTn id="10" dur="1" fill="hold">
-                                          <p:stCondLst>
-                                            <p:cond delay="0"/>
-                                          </p:stCondLst>
-                                        </p:cTn>
-                                        <p:tgtEl>
-                                          <p:spTgt spid="3">
-                                            <p:txEl>
-                                              <p:pRg st="0" end="0"/>
-                                            </p:txEl>
-                                          </p:spTgt>
-                                        </p:tgtEl>
-                                        <p:attrNameLst>
-                                          <p:attrName>style.visibility</p:attrName>
-                                        </p:attrNameLst>
-                                      </p:cBhvr>
-                                      <p:to>
-                                        <p:strVal val="visible"/>
-                                      </p:to>
-                                    </p:set>
-                                  </p:childTnLst>
-                                </p:cTn>
-                              </p:par>
-                            </p:childTnLst>
-                          </p:cTn>
-                        </p:par>
-                      </p:childTnLst>
-                    </p:cTn>
-                  </p:par>
-                  <p:par>
-                    <p:cTn id="11" fill="hold">
-                      <p:stCondLst>
-                        <p:cond delay="indefinite"/>
-                      </p:stCondLst>
-                      <p:childTnLst>
-                        <p:par>
-                          <p:cTn id="12" fill="hold">
-                            <p:stCondLst>
-                              <p:cond delay="0"/>
-                            </p:stCondLst>
-                            <p:childTnLst>
-                              <p:par>
-                                <p:cTn id="13" presetID="1" presetClass="entr" presetSubtype="0" fill="hold" grpId="0" nodeType="clickEffect">
-                                  <p:stCondLst>
-                                    <p:cond delay="0"/>
-                                  </p:stCondLst>
-                                  <p:childTnLst>
-                                    <p:set>
-                                      <p:cBhvr>
-                                        <p:cTn id="14" dur="1" fill="hold">
-                                          <p:stCondLst>
-                                            <p:cond delay="0"/>
-                                          </p:stCondLst>
-                                        </p:cTn>
-                                        <p:tgtEl>
-                                          <p:spTgt spid="3">
-                                            <p:txEl>
-                                              <p:pRg st="1" end="1"/>
-                                            </p:txEl>
-                                          </p:spTgt>
-                                        </p:tgtEl>
-                                        <p:attrNameLst>
-                                          <p:attrName>style.visibility</p:attrName>
-                                        </p:attrNameLst>
-                                      </p:cBhvr>
-                                      <p:to>
-                                        <p:strVal val="visible"/>
-                                      </p:to>
-                                    </p:set>
-                                  </p:childTnLst>
-                                </p:cTn>
-                              </p:par>
-                            </p:childTnLst>
-                          </p:cTn>
-                        </p:par>
-                      </p:childTnLst>
-                    </p:cTn>
-                  </p:par>
-                  <p:par>
-                    <p:cTn id="15" fill="hold">
-                      <p:stCondLst>
-                        <p:cond delay="indefinite"/>
-                      </p:stCondLst>
-                      <p:childTnLst>
-                        <p:par>
-                          <p:cTn id="16" fill="hold">
-                            <p:stCondLst>
-                              <p:cond delay="0"/>
-                            </p:stCondLst>
-                            <p:childTnLst>
-                              <p:par>
-                                <p:cTn id="17" presetID="1" presetClass="entr" presetSubtype="0" fill="hold" grpId="0" nodeType="clickEffect">
-                                  <p:stCondLst>
-                                    <p:cond delay="0"/>
-                                  </p:stCondLst>
-                                  <p:childTnLst>
-                                    <p:set>
-                                      <p:cBhvr>
-                                        <p:cTn id="18" dur="1" fill="hold">
-                                          <p:stCondLst>
-                                            <p:cond delay="0"/>
-                                          </p:stCondLst>
-                                        </p:cTn>
-                                        <p:tgtEl>
-                                          <p:spTgt spid="3">
-                                            <p:txEl>
-                                              <p:pRg st="2" end="2"/>
-                                            </p:txEl>
-                                          </p:spTgt>
-                                        </p:tgtEl>
-                                        <p:attrNameLst>
-                                          <p:attrName>style.visibility</p:attrName>
-                                        </p:attrNameLst>
-                                      </p:cBhvr>
-                                      <p:to>
-                                        <p:strVal val="visible"/>
-                                      </p:to>
-                                    </p:set>
-                                  </p:childTnLst>
-                                </p:cTn>
-                              </p:par>
-                            </p:childTnLst>
-                          </p:cTn>
-                        </p:par>
-                      </p:childTnLst>
-                    </p:cTn>
-                  </p:par>
-                  <p:par>
-                    <p:cTn id="19" fill="hold">
-                      <p:stCondLst>
-                        <p:cond delay="indefinite"/>
-                      </p:stCondLst>
-                      <p:childTnLst>
-                        <p:par>
-                          <p:cTn id="20" fill="hold">
-                            <p:stCondLst>
-                              <p:cond delay="0"/>
-                            </p:stCondLst>
-                            <p:childTnLst>
-                              <p:par>
-                                <p:cTn id="21" presetID="1" presetClass="entr" presetSubtype="0" fill="hold" grpId="0" nodeType="clickEffect">
-                                  <p:stCondLst>
-                                    <p:cond delay="0"/>
-                                  </p:stCondLst>
-                                  <p:childTnLst>
-                                    <p:set>
-                                      <p:cBhvr>
-                                        <p:cTn id="22" dur="1" fill="hold">
-                                          <p:stCondLst>
-                                            <p:cond delay="0"/>
-                                          </p:stCondLst>
-                                        </p:cTn>
-                                        <p:tgtEl>
-                                          <p:spTgt spid="3">
-                                            <p:txEl>
-                                              <p:pRg st="3" end="3"/>
-                                            </p:txEl>
-                                          </p:spTgt>
-                                        </p:tgtEl>
-                                        <p:attrNameLst>
-                                          <p:attrName>style.visibility</p:attrName>
-                                        </p:attrNameLst>
-                                      </p:cBhvr>
-                                      <p:to>
-                                        <p:strVal val="visible"/>
-                                      </p:to>
-                                    </p:set>
-                                  </p:childTnLst>
-                                </p:cTn>
-                              </p:par>
-                            </p:childTnLst>
-                          </p:cTn>
-                        </p:par>
-                      </p:childTnLst>
-                    </p:cTn>
-                  </p:par>
-                  <p:par>
-                    <p:cTn id="23" fill="hold">
-                      <p:stCondLst>
-                        <p:cond delay="indefinite"/>
-                      </p:stCondLst>
-                      <p:childTnLst>
-                        <p:par>
-                          <p:cTn id="24" fill="hold">
-                            <p:stCondLst>
-                              <p:cond delay="0"/>
-                            </p:stCondLst>
-                            <p:childTnLst>
-                              <p:par>
-                                <p:cTn id="25" presetID="1" presetClass="entr" presetSubtype="0" fill="hold" grpId="0" nodeType="clickEffect">
-                                  <p:stCondLst>
-                                    <p:cond delay="0"/>
-                                  </p:stCondLst>
-                                  <p:childTnLst>
-                                    <p:set>
-                                      <p:cBhvr>
-                                        <p:cTn id="26" dur="1" fill="hold">
-                                          <p:stCondLst>
-                                            <p:cond delay="0"/>
-                                          </p:stCondLst>
-                                        </p:cTn>
-                                        <p:tgtEl>
-                                          <p:spTgt spid="3">
-                                            <p:txEl>
-                                              <p:pRg st="4" end="4"/>
-                                            </p:txEl>
-                                          </p:spTgt>
-                                        </p:tgtEl>
-                                        <p:attrNameLst>
-                                          <p:attrName>style.visibility</p:attrName>
-                                        </p:attrNameLst>
-                                      </p:cBhvr>
-                                      <p:to>
-                                        <p:strVal val="visible"/>
-                                      </p:to>
-                                    </p:set>
-                                  </p:childTnLst>
-                                </p:cTn>
-                              </p:par>
-                            </p:childTnLst>
-                          </p:cTn>
-                        </p:par>
-                      </p:childTnLst>
-                    </p:cTn>
-                  </p:par>
-                  <p:par>
-                    <p:cTn id="27" fill="hold">
-                      <p:stCondLst>
-                        <p:cond delay="indefinite"/>
-                      </p:stCondLst>
-                      <p:childTnLst>
-                        <p:par>
-                          <p:cTn id="28" fill="hold">
-                            <p:stCondLst>
-                              <p:cond delay="0"/>
-                            </p:stCondLst>
-                            <p:childTnLst>
-                              <p:par>
-                                <p:cTn id="29" presetID="1" presetClass="entr" presetSubtype="0" fill="hold" grpId="0" nodeType="clickEffect">
-                                  <p:stCondLst>
-                                    <p:cond delay="0"/>
-                                  </p:stCondLst>
-                                  <p:childTnLst>
-                                    <p:set>
-                                      <p:cBhvr>
-                                        <p:cTn id="30" dur="1" fill="hold">
-                                          <p:stCondLst>
-                                            <p:cond delay="0"/>
-                                          </p:stCondLst>
-                                        </p:cTn>
-                                        <p:tgtEl>
-                                          <p:spTgt spid="3">
-                                            <p:txEl>
-                                              <p:pRg st="5" end="5"/>
-                                            </p:txEl>
-                                          </p:spTgt>
-                                        </p:tgtEl>
-                                        <p:attrNameLst>
-                                          <p:attrName>style.visibility</p:attrName>
-                                        </p:attrNameLst>
-                                      </p:cBhvr>
-                                      <p:to>
-                                        <p:strVal val="visible"/>
-                                      </p:to>
-                                    </p:set>
-                                  </p:childTnLst>
-                                </p:cTn>
-                              </p:par>
-                            </p:childTnLst>
-                          </p:cTn>
-                        </p:par>
-                      </p:childTnLst>
-                    </p:cTn>
-                  </p:par>
-                  <p:par>
-                    <p:cTn id="31" fill="hold">
-                      <p:stCondLst>
-                        <p:cond delay="indefinite"/>
-                      </p:stCondLst>
-                      <p:childTnLst>
-                        <p:par>
-                          <p:cTn id="32" fill="hold">
-                            <p:stCondLst>
-                              <p:cond delay="0"/>
-                            </p:stCondLst>
-                            <p:childTnLst>
-                              <p:par>
-                                <p:cTn id="33" presetID="1" presetClass="entr" presetSubtype="0" fill="hold" grpId="0" nodeType="clickEffect">
-                                  <p:stCondLst>
-                                    <p:cond delay="0"/>
-                                  </p:stCondLst>
-                                  <p:childTnLst>
-                                    <p:set>
-                                      <p:cBhvr>
-                                        <p:cTn id="34" dur="1" fill="hold">
-                                          <p:stCondLst>
-                                            <p:cond delay="0"/>
-                                          </p:stCondLst>
-                                        </p:cTn>
-                                        <p:tgtEl>
-                                          <p:spTgt spid="3">
-                                            <p:txEl>
-                                              <p:pRg st="6" end="6"/>
-                                            </p:txEl>
-                                          </p:spTgt>
-                                        </p:tgtEl>
-                                        <p:attrNameLst>
-                                          <p:attrName>style.visibility</p:attrName>
-                                        </p:attrNameLst>
-                                      </p:cBhvr>
-                                      <p:to>
-                                        <p:strVal val="visible"/>
-                                      </p:to>
-                                    </p:set>
-                                  </p:childTnLst>
-                                </p:cTn>
-                              </p:par>
-                            </p:childTnLst>
-                          </p:cTn>
-                        </p:par>
-                      </p:childTnLst>
-                    </p:cTn>
-                  </p:par>
-                  <p:par>
-                    <p:cTn id="35" fill="hold">
-                      <p:stCondLst>
-                        <p:cond delay="indefinite"/>
-                      </p:stCondLst>
-                      <p:childTnLst>
-                        <p:par>
-                          <p:cTn id="36" fill="hold">
-                            <p:stCondLst>
-                              <p:cond delay="0"/>
-                            </p:stCondLst>
-                            <p:childTnLst>
-                              <p:par>
-                                <p:cTn id="37" presetID="1" presetClass="entr" presetSubtype="0" fill="hold" grpId="0" nodeType="clickEffect">
-                                  <p:stCondLst>
-                                    <p:cond delay="0"/>
-                                  </p:stCondLst>
-                                  <p:childTnLst>
-                                    <p:set>
-                                      <p:cBhvr>
-                                        <p:cTn id="38" dur="1" fill="hold">
-                                          <p:stCondLst>
-                                            <p:cond delay="0"/>
-                                          </p:stCondLst>
-                                        </p:cTn>
-                                        <p:tgtEl>
-                                          <p:spTgt spid="3">
-                                            <p:txEl>
-                                              <p:pRg st="7" end="7"/>
-                                            </p:txEl>
-                                          </p:spTgt>
-                                        </p:tgtEl>
-                                        <p:attrNameLst>
-                                          <p:attrName>style.visibility</p:attrName>
-                                        </p:attrNameLst>
-                                      </p:cBhvr>
-                                      <p:to>
-                                        <p:strVal val="visible"/>
-                                      </p:to>
-                                    </p:set>
-                                  </p:childTnLst>
-                                </p:cTn>
-                              </p:par>
-                            </p:childTnLst>
-                          </p:cTn>
-                        </p:par>
-                      </p:childTnLst>
-                    </p:cTn>
-                  </p:par>
-                  <p:par>
-                    <p:cTn id="39" fill="hold">
-                      <p:stCondLst>
-                        <p:cond delay="indefinite"/>
-                      </p:stCondLst>
-                      <p:childTnLst>
-                        <p:par>
-                          <p:cTn id="40" fill="hold">
-                            <p:stCondLst>
-                              <p:cond delay="0"/>
-                            </p:stCondLst>
-                            <p:childTnLst>
-                              <p:par>
-                                <p:cTn id="41" presetID="1" presetClass="entr" presetSubtype="0" fill="hold" grpId="0" nodeType="clickEffect">
-                                  <p:stCondLst>
-                                    <p:cond delay="0"/>
-                                  </p:stCondLst>
-                                  <p:childTnLst>
-                                    <p:set>
-                                      <p:cBhvr>
-                                        <p:cTn id="42" dur="1" fill="hold">
-                                          <p:stCondLst>
-                                            <p:cond delay="0"/>
-                                          </p:stCondLst>
-                                        </p:cTn>
-                                        <p:tgtEl>
-                                          <p:spTgt spid="3">
-                                            <p:txEl>
-                                              <p:pRg st="8" end="8"/>
-                                            </p:txEl>
-                                          </p:spTgt>
-                                        </p:tgtEl>
-                                        <p:attrNameLst>
-                                          <p:attrName>style.visibility</p:attrName>
-                                        </p:attrNameLst>
-                                      </p:cBhvr>
-                                      <p:to>
-                                        <p:strVal val="visible"/>
-                                      </p:to>
-                                    </p:set>
-                                  </p:childTnLst>
-                                </p:cTn>
-                              </p:par>
-                            </p:childTnLst>
-                          </p:cTn>
-                        </p:par>
-                      </p:childTnLst>
-                    </p:cTn>
-                  </p:par>
-                  <p:par>
-                    <p:cTn id="43" fill="hold">
-                      <p:stCondLst>
-                        <p:cond delay="indefinite"/>
-                      </p:stCondLst>
-                      <p:childTnLst>
-                        <p:par>
-                          <p:cTn id="44" fill="hold">
-                            <p:stCondLst>
-                              <p:cond delay="0"/>
-                            </p:stCondLst>
-                            <p:childTnLst>
-                              <p:par>
-                                <p:cTn id="45" presetID="1" presetClass="entr" presetSubtype="0" fill="hold" grpId="0" nodeType="clickEffect">
-                                  <p:stCondLst>
-                                    <p:cond delay="0"/>
-                                  </p:stCondLst>
-                                  <p:childTnLst>
-                                    <p:set>
-                                      <p:cBhvr>
-                                        <p:cTn id="46" dur="1" fill="hold">
-                                          <p:stCondLst>
-                                            <p:cond delay="0"/>
-                                          </p:stCondLst>
-                                        </p:cTn>
-                                        <p:tgtEl>
-                                          <p:spTgt spid="3">
-                                            <p:txEl>
-                                              <p:pRg st="9" end="9"/>
-                                            </p:txEl>
-                                          </p:spTgt>
-                                        </p:tgtEl>
-                                        <p:attrNameLst>
-                                          <p:attrName>style.visibility</p:attrName>
-                                        </p:attrNameLst>
-                                      </p:cBhvr>
-                                      <p:to>
-                                        <p:strVal val="visible"/>
-                                      </p:to>
-                                    </p:set>
-                                  </p:childTnLst>
-                                </p:cTn>
-                              </p:par>
-                            </p:childTnLst>
-                          </p:cTn>
-                        </p:par>
-                      </p:childTnLst>
-                    </p:cTn>
-                  </p:par>
-                  <p:par>
-                    <p:cTn id="47" fill="hold">
-                      <p:stCondLst>
-                        <p:cond delay="indefinite"/>
-                      </p:stCondLst>
-                      <p:childTnLst>
-                        <p:par>
-                          <p:cTn id="48" fill="hold">
-                            <p:stCondLst>
-                              <p:cond delay="0"/>
-                            </p:stCondLst>
-                            <p:childTnLst>
-                              <p:par>
-                                <p:cTn id="49" presetID="1" presetClass="entr" presetSubtype="0" fill="hold" grpId="0" nodeType="clickEffect">
-                                  <p:stCondLst>
-                                    <p:cond delay="0"/>
-                                  </p:stCondLst>
-                                  <p:childTnLst>
-                                    <p:set>
-                                      <p:cBhvr>
-                                        <p:cTn id="50" dur="1" fill="hold">
-                                          <p:stCondLst>
-                                            <p:cond delay="0"/>
-                                          </p:stCondLst>
-                                        </p:cTn>
-                                        <p:tgtEl>
-                                          <p:spTgt spid="3">
-                                            <p:txEl>
-                                              <p:pRg st="10" end="10"/>
-                                            </p:txEl>
-                                          </p:spTgt>
-                                        </p:tgtEl>
-                                        <p:attrNameLst>
-                                          <p:attrName>style.visibility</p:attrName>
-                                        </p:attrNameLst>
-                                      </p:cBhvr>
-                                      <p:to>
-                                        <p:strVal val="visible"/>
-                                      </p:to>
-                                    </p:set>
-                                  </p:childTnLst>
-                                </p:cTn>
-                              </p:par>
-                            </p:childTnLst>
-                          </p:cTn>
-                        </p:par>
-                      </p:childTnLst>
-                    </p:cTn>
-                  </p:par>
-                  <p:par>
-                    <p:cTn id="51" fill="hold">
-                      <p:stCondLst>
-                        <p:cond delay="indefinite"/>
-                      </p:stCondLst>
-                      <p:childTnLst>
-                        <p:par>
-                          <p:cTn id="52" fill="hold">
-                            <p:stCondLst>
-                              <p:cond delay="0"/>
-                            </p:stCondLst>
-                            <p:childTnLst>
-                              <p:par>
-                                <p:cTn id="53" presetID="1" presetClass="entr" presetSubtype="0" fill="hold" grpId="0" nodeType="clickEffect">
-                                  <p:stCondLst>
-                                    <p:cond delay="0"/>
-                                  </p:stCondLst>
-                                  <p:childTnLst>
-                                    <p:set>
-                                      <p:cBhvr>
-                                        <p:cTn id="54" dur="1" fill="hold">
-                                          <p:stCondLst>
-                                            <p:cond delay="0"/>
-                                          </p:stCondLst>
-                                        </p:cTn>
-                                        <p:tgtEl>
-                                          <p:spTgt spid="3">
-                                            <p:txEl>
-                                              <p:pRg st="11" end="11"/>
-                                            </p:txEl>
-                                          </p:spTgt>
-                                        </p:tgtEl>
-                                        <p:attrNameLst>
-                                          <p:attrName>style.visibility</p:attrName>
-                                        </p:attrNameLst>
-                                      </p:cBhvr>
-                                      <p:to>
-                                        <p:strVal val="visible"/>
-                                      </p:to>
-                                    </p:set>
-                                  </p:childTnLst>
-                                </p:cTn>
-                              </p:par>
-                            </p:childTnLst>
-                          </p:cTn>
-                        </p:par>
-                      </p:childTnLst>
-                    </p:cTn>
-                  </p:par>
-                </p:childTnLst>
-              </p:cTn>
-              <p:prevCondLst>
-                <p:cond evt="onPrev" delay="0">
-                  <p:tgtEl>
-                    <p:sldTgt/>
-                  </p:tgtEl>
-                </p:cond>
-              </p:prevCondLst>
-              <p:nextCondLst>
-                <p:cond evt="onNext" delay="0">
-                  <p:tgtEl>
-                    <p:sldTgt/>
-                  </p:tgtEl>
-                </p:cond>
-              </p:nextCondLst>
-            </p:seq>
-          </p:childTnLst>
-        </p:cTn>
+        <p:cTn id="1" dur="indefinite" restart="never" nodeType="tmRoot"/>
       </p:par>
     </p:tnLst>
-    <p:bldLst>
-      <p:bldP spid="3" grpId="0" build="p" animBg="1"/>
-    </p:bldLst>
   </p:timing>
 </p:sld>
 </file>
@@ -11475,11 +9492,7 @@
           <a:p>
             <a:r>
               <a:rPr lang="en-US" dirty="0" smtClean="0"/>
-              <a:t>Meaningful Names (ARIA Example</a:t>
-            </a:r>
-            <a:r>
-              <a:rPr lang="en-US" dirty="0" smtClean="0"/>
-              <a:t>)</a:t>
+              <a:t>Meaningful Names (ARIA Example)</a:t>
             </a:r>
             <a:endParaRPr lang="en-US" dirty="0"/>
           </a:p>
@@ -13403,131 +11416,9 @@
   <p:timing>
     <p:tnLst>
       <p:par>
-        <p:cTn id="1" dur="indefinite" restart="never" nodeType="tmRoot">
-          <p:childTnLst>
-            <p:seq concurrent="1" nextAc="seek">
-              <p:cTn id="2" dur="indefinite" nodeType="mainSeq">
-                <p:childTnLst>
-                  <p:par>
-                    <p:cTn id="3" fill="hold">
-                      <p:stCondLst>
-                        <p:cond delay="indefinite"/>
-                      </p:stCondLst>
-                      <p:childTnLst>
-                        <p:par>
-                          <p:cTn id="4" fill="hold">
-                            <p:stCondLst>
-                              <p:cond delay="0"/>
-                            </p:stCondLst>
-                            <p:childTnLst>
-                              <p:par>
-                                <p:cTn id="5" presetID="1" presetClass="entr" presetSubtype="0" fill="hold" grpId="0" nodeType="clickEffect">
-                                  <p:stCondLst>
-                                    <p:cond delay="0"/>
-                                  </p:stCondLst>
-                                  <p:childTnLst>
-                                    <p:set>
-                                      <p:cBhvr>
-                                        <p:cTn id="6" dur="1" fill="hold">
-                                          <p:stCondLst>
-                                            <p:cond delay="0"/>
-                                          </p:stCondLst>
-                                        </p:cTn>
-                                        <p:tgtEl>
-                                          <p:spTgt spid="3">
-                                            <p:bg/>
-                                          </p:spTgt>
-                                        </p:tgtEl>
-                                        <p:attrNameLst>
-                                          <p:attrName>style.visibility</p:attrName>
-                                        </p:attrNameLst>
-                                      </p:cBhvr>
-                                      <p:to>
-                                        <p:strVal val="visible"/>
-                                      </p:to>
-                                    </p:set>
-                                  </p:childTnLst>
-                                </p:cTn>
-                              </p:par>
-                            </p:childTnLst>
-                          </p:cTn>
-                        </p:par>
-                      </p:childTnLst>
-                    </p:cTn>
-                  </p:par>
-                  <p:par>
-                    <p:cTn id="7" fill="hold">
-                      <p:stCondLst>
-                        <p:cond delay="indefinite"/>
-                      </p:stCondLst>
-                      <p:childTnLst>
-                        <p:par>
-                          <p:cTn id="8" fill="hold">
-                            <p:stCondLst>
-                              <p:cond delay="0"/>
-                            </p:stCondLst>
-                            <p:childTnLst>
-                              <p:par>
-                                <p:cTn id="9" presetID="1" presetClass="entr" presetSubtype="0" fill="hold" grpId="0" nodeType="clickEffect">
-                                  <p:stCondLst>
-                                    <p:cond delay="0"/>
-                                  </p:stCondLst>
-                                  <p:childTnLst>
-                                    <p:set>
-                                      <p:cBhvr>
-                                        <p:cTn id="10" dur="1" fill="hold">
-                                          <p:stCondLst>
-                                            <p:cond delay="0"/>
-                                          </p:stCondLst>
-                                        </p:cTn>
-                                        <p:tgtEl>
-                                          <p:spTgt spid="3">
-                                            <p:txEl>
-                                              <p:pRg st="0" end="0"/>
-                                            </p:txEl>
-                                          </p:spTgt>
-                                        </p:tgtEl>
-                                        <p:attrNameLst>
-                                          <p:attrName>style.visibility</p:attrName>
-                                        </p:attrNameLst>
-                                      </p:cBhvr>
-                                      <p:to>
-                                        <p:strVal val="visible"/>
-                                      </p:to>
-                                    </p:set>
-                                  </p:childTnLst>
-                                </p:cTn>
-                              </p:par>
-                            </p:childTnLst>
-                          </p:cTn>
-                        </p:par>
-                      </p:childTnLst>
-                    </p:cTn>
-                  </p:par>
-                </p:childTnLst>
-              </p:cTn>
-              <p:prevCondLst>
-                <p:cond evt="onPrev" delay="0">
-                  <p:tgtEl>
-                    <p:sldTgt/>
-                  </p:tgtEl>
-                </p:cond>
-              </p:prevCondLst>
-              <p:nextCondLst>
-                <p:cond evt="onNext" delay="0">
-                  <p:tgtEl>
-                    <p:sldTgt/>
-                  </p:tgtEl>
-                </p:cond>
-              </p:nextCondLst>
-            </p:seq>
-          </p:childTnLst>
-        </p:cTn>
+        <p:cTn id="1" dur="indefinite" restart="never" nodeType="tmRoot"/>
       </p:par>
     </p:tnLst>
-    <p:bldLst>
-      <p:bldP spid="3" grpId="0" build="p" animBg="1"/>
-    </p:bldLst>
   </p:timing>
 </p:sld>
 </file>
@@ -13850,131 +11741,9 @@
   <p:timing>
     <p:tnLst>
       <p:par>
-        <p:cTn id="1" dur="indefinite" restart="never" nodeType="tmRoot">
-          <p:childTnLst>
-            <p:seq concurrent="1" nextAc="seek">
-              <p:cTn id="2" dur="indefinite" nodeType="mainSeq">
-                <p:childTnLst>
-                  <p:par>
-                    <p:cTn id="3" fill="hold">
-                      <p:stCondLst>
-                        <p:cond delay="indefinite"/>
-                      </p:stCondLst>
-                      <p:childTnLst>
-                        <p:par>
-                          <p:cTn id="4" fill="hold">
-                            <p:stCondLst>
-                              <p:cond delay="0"/>
-                            </p:stCondLst>
-                            <p:childTnLst>
-                              <p:par>
-                                <p:cTn id="5" presetID="1" presetClass="entr" presetSubtype="0" fill="hold" grpId="0" nodeType="clickEffect">
-                                  <p:stCondLst>
-                                    <p:cond delay="0"/>
-                                  </p:stCondLst>
-                                  <p:childTnLst>
-                                    <p:set>
-                                      <p:cBhvr>
-                                        <p:cTn id="6" dur="1" fill="hold">
-                                          <p:stCondLst>
-                                            <p:cond delay="0"/>
-                                          </p:stCondLst>
-                                        </p:cTn>
-                                        <p:tgtEl>
-                                          <p:spTgt spid="3">
-                                            <p:bg/>
-                                          </p:spTgt>
-                                        </p:tgtEl>
-                                        <p:attrNameLst>
-                                          <p:attrName>style.visibility</p:attrName>
-                                        </p:attrNameLst>
-                                      </p:cBhvr>
-                                      <p:to>
-                                        <p:strVal val="visible"/>
-                                      </p:to>
-                                    </p:set>
-                                  </p:childTnLst>
-                                </p:cTn>
-                              </p:par>
-                            </p:childTnLst>
-                          </p:cTn>
-                        </p:par>
-                      </p:childTnLst>
-                    </p:cTn>
-                  </p:par>
-                  <p:par>
-                    <p:cTn id="7" fill="hold">
-                      <p:stCondLst>
-                        <p:cond delay="indefinite"/>
-                      </p:stCondLst>
-                      <p:childTnLst>
-                        <p:par>
-                          <p:cTn id="8" fill="hold">
-                            <p:stCondLst>
-                              <p:cond delay="0"/>
-                            </p:stCondLst>
-                            <p:childTnLst>
-                              <p:par>
-                                <p:cTn id="9" presetID="1" presetClass="entr" presetSubtype="0" fill="hold" grpId="0" nodeType="clickEffect">
-                                  <p:stCondLst>
-                                    <p:cond delay="0"/>
-                                  </p:stCondLst>
-                                  <p:childTnLst>
-                                    <p:set>
-                                      <p:cBhvr>
-                                        <p:cTn id="10" dur="1" fill="hold">
-                                          <p:stCondLst>
-                                            <p:cond delay="0"/>
-                                          </p:stCondLst>
-                                        </p:cTn>
-                                        <p:tgtEl>
-                                          <p:spTgt spid="3">
-                                            <p:txEl>
-                                              <p:pRg st="0" end="0"/>
-                                            </p:txEl>
-                                          </p:spTgt>
-                                        </p:tgtEl>
-                                        <p:attrNameLst>
-                                          <p:attrName>style.visibility</p:attrName>
-                                        </p:attrNameLst>
-                                      </p:cBhvr>
-                                      <p:to>
-                                        <p:strVal val="visible"/>
-                                      </p:to>
-                                    </p:set>
-                                  </p:childTnLst>
-                                </p:cTn>
-                              </p:par>
-                            </p:childTnLst>
-                          </p:cTn>
-                        </p:par>
-                      </p:childTnLst>
-                    </p:cTn>
-                  </p:par>
-                </p:childTnLst>
-              </p:cTn>
-              <p:prevCondLst>
-                <p:cond evt="onPrev" delay="0">
-                  <p:tgtEl>
-                    <p:sldTgt/>
-                  </p:tgtEl>
-                </p:cond>
-              </p:prevCondLst>
-              <p:nextCondLst>
-                <p:cond evt="onNext" delay="0">
-                  <p:tgtEl>
-                    <p:sldTgt/>
-                  </p:tgtEl>
-                </p:cond>
-              </p:nextCondLst>
-            </p:seq>
-          </p:childTnLst>
-        </p:cTn>
+        <p:cTn id="1" dur="indefinite" restart="never" nodeType="tmRoot"/>
       </p:par>
     </p:tnLst>
-    <p:bldLst>
-      <p:bldP spid="3" grpId="0" build="p" animBg="1"/>
-    </p:bldLst>
   </p:timing>
 </p:sld>
 </file>
@@ -14291,131 +12060,9 @@
   <p:timing>
     <p:tnLst>
       <p:par>
-        <p:cTn id="1" dur="indefinite" restart="never" nodeType="tmRoot">
-          <p:childTnLst>
-            <p:seq concurrent="1" nextAc="seek">
-              <p:cTn id="2" dur="indefinite" nodeType="mainSeq">
-                <p:childTnLst>
-                  <p:par>
-                    <p:cTn id="3" fill="hold">
-                      <p:stCondLst>
-                        <p:cond delay="indefinite"/>
-                      </p:stCondLst>
-                      <p:childTnLst>
-                        <p:par>
-                          <p:cTn id="4" fill="hold">
-                            <p:stCondLst>
-                              <p:cond delay="0"/>
-                            </p:stCondLst>
-                            <p:childTnLst>
-                              <p:par>
-                                <p:cTn id="5" presetID="1" presetClass="entr" presetSubtype="0" fill="hold" grpId="0" nodeType="clickEffect">
-                                  <p:stCondLst>
-                                    <p:cond delay="0"/>
-                                  </p:stCondLst>
-                                  <p:childTnLst>
-                                    <p:set>
-                                      <p:cBhvr>
-                                        <p:cTn id="6" dur="1" fill="hold">
-                                          <p:stCondLst>
-                                            <p:cond delay="0"/>
-                                          </p:stCondLst>
-                                        </p:cTn>
-                                        <p:tgtEl>
-                                          <p:spTgt spid="3">
-                                            <p:bg/>
-                                          </p:spTgt>
-                                        </p:tgtEl>
-                                        <p:attrNameLst>
-                                          <p:attrName>style.visibility</p:attrName>
-                                        </p:attrNameLst>
-                                      </p:cBhvr>
-                                      <p:to>
-                                        <p:strVal val="visible"/>
-                                      </p:to>
-                                    </p:set>
-                                  </p:childTnLst>
-                                </p:cTn>
-                              </p:par>
-                            </p:childTnLst>
-                          </p:cTn>
-                        </p:par>
-                      </p:childTnLst>
-                    </p:cTn>
-                  </p:par>
-                  <p:par>
-                    <p:cTn id="7" fill="hold">
-                      <p:stCondLst>
-                        <p:cond delay="indefinite"/>
-                      </p:stCondLst>
-                      <p:childTnLst>
-                        <p:par>
-                          <p:cTn id="8" fill="hold">
-                            <p:stCondLst>
-                              <p:cond delay="0"/>
-                            </p:stCondLst>
-                            <p:childTnLst>
-                              <p:par>
-                                <p:cTn id="9" presetID="1" presetClass="entr" presetSubtype="0" fill="hold" grpId="0" nodeType="clickEffect">
-                                  <p:stCondLst>
-                                    <p:cond delay="0"/>
-                                  </p:stCondLst>
-                                  <p:childTnLst>
-                                    <p:set>
-                                      <p:cBhvr>
-                                        <p:cTn id="10" dur="1" fill="hold">
-                                          <p:stCondLst>
-                                            <p:cond delay="0"/>
-                                          </p:stCondLst>
-                                        </p:cTn>
-                                        <p:tgtEl>
-                                          <p:spTgt spid="3">
-                                            <p:txEl>
-                                              <p:pRg st="0" end="0"/>
-                                            </p:txEl>
-                                          </p:spTgt>
-                                        </p:tgtEl>
-                                        <p:attrNameLst>
-                                          <p:attrName>style.visibility</p:attrName>
-                                        </p:attrNameLst>
-                                      </p:cBhvr>
-                                      <p:to>
-                                        <p:strVal val="visible"/>
-                                      </p:to>
-                                    </p:set>
-                                  </p:childTnLst>
-                                </p:cTn>
-                              </p:par>
-                            </p:childTnLst>
-                          </p:cTn>
-                        </p:par>
-                      </p:childTnLst>
-                    </p:cTn>
-                  </p:par>
-                </p:childTnLst>
-              </p:cTn>
-              <p:prevCondLst>
-                <p:cond evt="onPrev" delay="0">
-                  <p:tgtEl>
-                    <p:sldTgt/>
-                  </p:tgtEl>
-                </p:cond>
-              </p:prevCondLst>
-              <p:nextCondLst>
-                <p:cond evt="onNext" delay="0">
-                  <p:tgtEl>
-                    <p:sldTgt/>
-                  </p:tgtEl>
-                </p:cond>
-              </p:nextCondLst>
-            </p:seq>
-          </p:childTnLst>
-        </p:cTn>
+        <p:cTn id="1" dur="indefinite" restart="never" nodeType="tmRoot"/>
       </p:par>
     </p:tnLst>
-    <p:bldLst>
-      <p:bldP spid="3" grpId="0" build="p" animBg="1"/>
-    </p:bldLst>
   </p:timing>
 </p:sld>
 </file>
@@ -14479,7 +12126,6 @@
               <a:rPr lang="en-US" dirty="0" smtClean="0"/>
               <a:t>You have a complicated expression.</a:t>
             </a:r>
-            <a:endParaRPr lang="en-US" dirty="0" smtClean="0"/>
           </a:p>
           <a:p>
             <a:r>
@@ -14670,7 +12316,6 @@
               <a:rPr lang="en-US" dirty="0"/>
               <a:t>Introduce Explaining Variable</a:t>
             </a:r>
-            <a:endParaRPr lang="en-US" dirty="0"/>
           </a:p>
         </p:txBody>
       </p:sp>
@@ -14702,17 +12347,12 @@
               <a:rPr lang="en-US" dirty="0" smtClean="0"/>
               <a:t>Expressions can become very complex and hard to read.</a:t>
             </a:r>
-            <a:endParaRPr lang="en-US" dirty="0" smtClean="0"/>
           </a:p>
           <a:p>
             <a:pPr lvl="1"/>
             <a:r>
               <a:rPr lang="en-US" dirty="0" smtClean="0"/>
-              <a:t>In such situations, </a:t>
-            </a:r>
-            <a:r>
-              <a:rPr lang="en-US" dirty="0" smtClean="0"/>
-              <a:t>temporary variables can be helpful to break down the expression into something manageable.</a:t>
+              <a:t>In such situations, temporary variables can be helpful to break down the expression into something manageable.</a:t>
             </a:r>
           </a:p>
           <a:p>
@@ -16726,7 +14366,6 @@
               <a:rPr lang="en-US" dirty="0" smtClean="0"/>
               <a:t>You have a literal number with a particular meaning.</a:t>
             </a:r>
-            <a:endParaRPr lang="en-US" dirty="0" smtClean="0"/>
           </a:p>
           <a:p>
             <a:r>
@@ -17285,7 +14924,6 @@
               <a:rPr lang="en-US" dirty="0"/>
               <a:t>Replace Magic Number with Symbolic Constant</a:t>
             </a:r>
-            <a:endParaRPr lang="en-US" dirty="0"/>
           </a:p>
         </p:txBody>
       </p:sp>
@@ -17317,7 +14955,6 @@
               <a:rPr lang="en-US" dirty="0" smtClean="0"/>
               <a:t>Magic numbers are numbers with special values that are not obvious.</a:t>
             </a:r>
-            <a:endParaRPr lang="en-US" dirty="0" smtClean="0"/>
           </a:p>
           <a:p>
             <a:pPr lvl="1"/>
@@ -17551,11 +15188,7 @@
             </a:r>
             <a:r>
               <a:rPr lang="en-US" dirty="0" smtClean="0"/>
-              <a:t>Constant (Example</a:t>
-            </a:r>
-            <a:r>
-              <a:rPr lang="en-US" dirty="0" smtClean="0"/>
-              <a:t>)</a:t>
+              <a:t>Constant (Example)</a:t>
             </a:r>
             <a:endParaRPr lang="en-US" dirty="0"/>
           </a:p>
@@ -19463,719 +17096,9 @@
   <p:timing>
     <p:tnLst>
       <p:par>
-        <p:cTn id="1" dur="indefinite" restart="never" nodeType="tmRoot">
-          <p:childTnLst>
-            <p:seq concurrent="1" nextAc="seek">
-              <p:cTn id="2" dur="indefinite" nodeType="mainSeq">
-                <p:childTnLst>
-                  <p:par>
-                    <p:cTn id="3" fill="hold">
-                      <p:stCondLst>
-                        <p:cond delay="indefinite"/>
-                      </p:stCondLst>
-                      <p:childTnLst>
-                        <p:par>
-                          <p:cTn id="4" fill="hold">
-                            <p:stCondLst>
-                              <p:cond delay="0"/>
-                            </p:stCondLst>
-                            <p:childTnLst>
-                              <p:par>
-                                <p:cTn id="5" presetID="1" presetClass="entr" presetSubtype="0" fill="hold" grpId="0" nodeType="clickEffect">
-                                  <p:stCondLst>
-                                    <p:cond delay="0"/>
-                                  </p:stCondLst>
-                                  <p:childTnLst>
-                                    <p:set>
-                                      <p:cBhvr>
-                                        <p:cTn id="6" dur="1" fill="hold">
-                                          <p:stCondLst>
-                                            <p:cond delay="0"/>
-                                          </p:stCondLst>
-                                        </p:cTn>
-                                        <p:tgtEl>
-                                          <p:spTgt spid="3">
-                                            <p:bg/>
-                                          </p:spTgt>
-                                        </p:tgtEl>
-                                        <p:attrNameLst>
-                                          <p:attrName>style.visibility</p:attrName>
-                                        </p:attrNameLst>
-                                      </p:cBhvr>
-                                      <p:to>
-                                        <p:strVal val="visible"/>
-                                      </p:to>
-                                    </p:set>
-                                  </p:childTnLst>
-                                </p:cTn>
-                              </p:par>
-                            </p:childTnLst>
-                          </p:cTn>
-                        </p:par>
-                      </p:childTnLst>
-                    </p:cTn>
-                  </p:par>
-                  <p:par>
-                    <p:cTn id="7" fill="hold">
-                      <p:stCondLst>
-                        <p:cond delay="indefinite"/>
-                      </p:stCondLst>
-                      <p:childTnLst>
-                        <p:par>
-                          <p:cTn id="8" fill="hold">
-                            <p:stCondLst>
-                              <p:cond delay="0"/>
-                            </p:stCondLst>
-                            <p:childTnLst>
-                              <p:par>
-                                <p:cTn id="9" presetID="1" presetClass="entr" presetSubtype="0" fill="hold" grpId="0" nodeType="clickEffect">
-                                  <p:stCondLst>
-                                    <p:cond delay="0"/>
-                                  </p:stCondLst>
-                                  <p:childTnLst>
-                                    <p:set>
-                                      <p:cBhvr>
-                                        <p:cTn id="10" dur="1" fill="hold">
-                                          <p:stCondLst>
-                                            <p:cond delay="0"/>
-                                          </p:stCondLst>
-                                        </p:cTn>
-                                        <p:tgtEl>
-                                          <p:spTgt spid="3">
-                                            <p:txEl>
-                                              <p:pRg st="0" end="0"/>
-                                            </p:txEl>
-                                          </p:spTgt>
-                                        </p:tgtEl>
-                                        <p:attrNameLst>
-                                          <p:attrName>style.visibility</p:attrName>
-                                        </p:attrNameLst>
-                                      </p:cBhvr>
-                                      <p:to>
-                                        <p:strVal val="visible"/>
-                                      </p:to>
-                                    </p:set>
-                                  </p:childTnLst>
-                                </p:cTn>
-                              </p:par>
-                            </p:childTnLst>
-                          </p:cTn>
-                        </p:par>
-                      </p:childTnLst>
-                    </p:cTn>
-                  </p:par>
-                  <p:par>
-                    <p:cTn id="11" fill="hold">
-                      <p:stCondLst>
-                        <p:cond delay="indefinite"/>
-                      </p:stCondLst>
-                      <p:childTnLst>
-                        <p:par>
-                          <p:cTn id="12" fill="hold">
-                            <p:stCondLst>
-                              <p:cond delay="0"/>
-                            </p:stCondLst>
-                            <p:childTnLst>
-                              <p:par>
-                                <p:cTn id="13" presetID="1" presetClass="entr" presetSubtype="0" fill="hold" grpId="0" nodeType="clickEffect">
-                                  <p:stCondLst>
-                                    <p:cond delay="0"/>
-                                  </p:stCondLst>
-                                  <p:childTnLst>
-                                    <p:set>
-                                      <p:cBhvr>
-                                        <p:cTn id="14" dur="1" fill="hold">
-                                          <p:stCondLst>
-                                            <p:cond delay="0"/>
-                                          </p:stCondLst>
-                                        </p:cTn>
-                                        <p:tgtEl>
-                                          <p:spTgt spid="3">
-                                            <p:txEl>
-                                              <p:pRg st="1" end="1"/>
-                                            </p:txEl>
-                                          </p:spTgt>
-                                        </p:tgtEl>
-                                        <p:attrNameLst>
-                                          <p:attrName>style.visibility</p:attrName>
-                                        </p:attrNameLst>
-                                      </p:cBhvr>
-                                      <p:to>
-                                        <p:strVal val="visible"/>
-                                      </p:to>
-                                    </p:set>
-                                  </p:childTnLst>
-                                </p:cTn>
-                              </p:par>
-                            </p:childTnLst>
-                          </p:cTn>
-                        </p:par>
-                      </p:childTnLst>
-                    </p:cTn>
-                  </p:par>
-                  <p:par>
-                    <p:cTn id="15" fill="hold">
-                      <p:stCondLst>
-                        <p:cond delay="indefinite"/>
-                      </p:stCondLst>
-                      <p:childTnLst>
-                        <p:par>
-                          <p:cTn id="16" fill="hold">
-                            <p:stCondLst>
-                              <p:cond delay="0"/>
-                            </p:stCondLst>
-                            <p:childTnLst>
-                              <p:par>
-                                <p:cTn id="17" presetID="1" presetClass="entr" presetSubtype="0" fill="hold" grpId="0" nodeType="clickEffect">
-                                  <p:stCondLst>
-                                    <p:cond delay="0"/>
-                                  </p:stCondLst>
-                                  <p:childTnLst>
-                                    <p:set>
-                                      <p:cBhvr>
-                                        <p:cTn id="18" dur="1" fill="hold">
-                                          <p:stCondLst>
-                                            <p:cond delay="0"/>
-                                          </p:stCondLst>
-                                        </p:cTn>
-                                        <p:tgtEl>
-                                          <p:spTgt spid="3">
-                                            <p:txEl>
-                                              <p:pRg st="2" end="2"/>
-                                            </p:txEl>
-                                          </p:spTgt>
-                                        </p:tgtEl>
-                                        <p:attrNameLst>
-                                          <p:attrName>style.visibility</p:attrName>
-                                        </p:attrNameLst>
-                                      </p:cBhvr>
-                                      <p:to>
-                                        <p:strVal val="visible"/>
-                                      </p:to>
-                                    </p:set>
-                                  </p:childTnLst>
-                                </p:cTn>
-                              </p:par>
-                            </p:childTnLst>
-                          </p:cTn>
-                        </p:par>
-                      </p:childTnLst>
-                    </p:cTn>
-                  </p:par>
-                  <p:par>
-                    <p:cTn id="19" fill="hold">
-                      <p:stCondLst>
-                        <p:cond delay="indefinite"/>
-                      </p:stCondLst>
-                      <p:childTnLst>
-                        <p:par>
-                          <p:cTn id="20" fill="hold">
-                            <p:stCondLst>
-                              <p:cond delay="0"/>
-                            </p:stCondLst>
-                            <p:childTnLst>
-                              <p:par>
-                                <p:cTn id="21" presetID="1" presetClass="entr" presetSubtype="0" fill="hold" grpId="0" nodeType="clickEffect">
-                                  <p:stCondLst>
-                                    <p:cond delay="0"/>
-                                  </p:stCondLst>
-                                  <p:childTnLst>
-                                    <p:set>
-                                      <p:cBhvr>
-                                        <p:cTn id="22" dur="1" fill="hold">
-                                          <p:stCondLst>
-                                            <p:cond delay="0"/>
-                                          </p:stCondLst>
-                                        </p:cTn>
-                                        <p:tgtEl>
-                                          <p:spTgt spid="3">
-                                            <p:txEl>
-                                              <p:pRg st="3" end="3"/>
-                                            </p:txEl>
-                                          </p:spTgt>
-                                        </p:tgtEl>
-                                        <p:attrNameLst>
-                                          <p:attrName>style.visibility</p:attrName>
-                                        </p:attrNameLst>
-                                      </p:cBhvr>
-                                      <p:to>
-                                        <p:strVal val="visible"/>
-                                      </p:to>
-                                    </p:set>
-                                  </p:childTnLst>
-                                </p:cTn>
-                              </p:par>
-                            </p:childTnLst>
-                          </p:cTn>
-                        </p:par>
-                      </p:childTnLst>
-                    </p:cTn>
-                  </p:par>
-                  <p:par>
-                    <p:cTn id="23" fill="hold">
-                      <p:stCondLst>
-                        <p:cond delay="indefinite"/>
-                      </p:stCondLst>
-                      <p:childTnLst>
-                        <p:par>
-                          <p:cTn id="24" fill="hold">
-                            <p:stCondLst>
-                              <p:cond delay="0"/>
-                            </p:stCondLst>
-                            <p:childTnLst>
-                              <p:par>
-                                <p:cTn id="25" presetID="1" presetClass="entr" presetSubtype="0" fill="hold" grpId="0" nodeType="clickEffect">
-                                  <p:stCondLst>
-                                    <p:cond delay="0"/>
-                                  </p:stCondLst>
-                                  <p:childTnLst>
-                                    <p:set>
-                                      <p:cBhvr>
-                                        <p:cTn id="26" dur="1" fill="hold">
-                                          <p:stCondLst>
-                                            <p:cond delay="0"/>
-                                          </p:stCondLst>
-                                        </p:cTn>
-                                        <p:tgtEl>
-                                          <p:spTgt spid="3">
-                                            <p:txEl>
-                                              <p:pRg st="4" end="4"/>
-                                            </p:txEl>
-                                          </p:spTgt>
-                                        </p:tgtEl>
-                                        <p:attrNameLst>
-                                          <p:attrName>style.visibility</p:attrName>
-                                        </p:attrNameLst>
-                                      </p:cBhvr>
-                                      <p:to>
-                                        <p:strVal val="visible"/>
-                                      </p:to>
-                                    </p:set>
-                                  </p:childTnLst>
-                                </p:cTn>
-                              </p:par>
-                            </p:childTnLst>
-                          </p:cTn>
-                        </p:par>
-                      </p:childTnLst>
-                    </p:cTn>
-                  </p:par>
-                  <p:par>
-                    <p:cTn id="27" fill="hold">
-                      <p:stCondLst>
-                        <p:cond delay="indefinite"/>
-                      </p:stCondLst>
-                      <p:childTnLst>
-                        <p:par>
-                          <p:cTn id="28" fill="hold">
-                            <p:stCondLst>
-                              <p:cond delay="0"/>
-                            </p:stCondLst>
-                            <p:childTnLst>
-                              <p:par>
-                                <p:cTn id="29" presetID="1" presetClass="entr" presetSubtype="0" fill="hold" grpId="0" nodeType="clickEffect">
-                                  <p:stCondLst>
-                                    <p:cond delay="0"/>
-                                  </p:stCondLst>
-                                  <p:childTnLst>
-                                    <p:set>
-                                      <p:cBhvr>
-                                        <p:cTn id="30" dur="1" fill="hold">
-                                          <p:stCondLst>
-                                            <p:cond delay="0"/>
-                                          </p:stCondLst>
-                                        </p:cTn>
-                                        <p:tgtEl>
-                                          <p:spTgt spid="3">
-                                            <p:txEl>
-                                              <p:pRg st="5" end="5"/>
-                                            </p:txEl>
-                                          </p:spTgt>
-                                        </p:tgtEl>
-                                        <p:attrNameLst>
-                                          <p:attrName>style.visibility</p:attrName>
-                                        </p:attrNameLst>
-                                      </p:cBhvr>
-                                      <p:to>
-                                        <p:strVal val="visible"/>
-                                      </p:to>
-                                    </p:set>
-                                  </p:childTnLst>
-                                </p:cTn>
-                              </p:par>
-                            </p:childTnLst>
-                          </p:cTn>
-                        </p:par>
-                      </p:childTnLst>
-                    </p:cTn>
-                  </p:par>
-                  <p:par>
-                    <p:cTn id="31" fill="hold">
-                      <p:stCondLst>
-                        <p:cond delay="indefinite"/>
-                      </p:stCondLst>
-                      <p:childTnLst>
-                        <p:par>
-                          <p:cTn id="32" fill="hold">
-                            <p:stCondLst>
-                              <p:cond delay="0"/>
-                            </p:stCondLst>
-                            <p:childTnLst>
-                              <p:par>
-                                <p:cTn id="33" presetID="1" presetClass="entr" presetSubtype="0" fill="hold" grpId="0" nodeType="clickEffect">
-                                  <p:stCondLst>
-                                    <p:cond delay="0"/>
-                                  </p:stCondLst>
-                                  <p:childTnLst>
-                                    <p:set>
-                                      <p:cBhvr>
-                                        <p:cTn id="34" dur="1" fill="hold">
-                                          <p:stCondLst>
-                                            <p:cond delay="0"/>
-                                          </p:stCondLst>
-                                        </p:cTn>
-                                        <p:tgtEl>
-                                          <p:spTgt spid="3">
-                                            <p:txEl>
-                                              <p:pRg st="6" end="6"/>
-                                            </p:txEl>
-                                          </p:spTgt>
-                                        </p:tgtEl>
-                                        <p:attrNameLst>
-                                          <p:attrName>style.visibility</p:attrName>
-                                        </p:attrNameLst>
-                                      </p:cBhvr>
-                                      <p:to>
-                                        <p:strVal val="visible"/>
-                                      </p:to>
-                                    </p:set>
-                                  </p:childTnLst>
-                                </p:cTn>
-                              </p:par>
-                            </p:childTnLst>
-                          </p:cTn>
-                        </p:par>
-                      </p:childTnLst>
-                    </p:cTn>
-                  </p:par>
-                  <p:par>
-                    <p:cTn id="35" fill="hold">
-                      <p:stCondLst>
-                        <p:cond delay="indefinite"/>
-                      </p:stCondLst>
-                      <p:childTnLst>
-                        <p:par>
-                          <p:cTn id="36" fill="hold">
-                            <p:stCondLst>
-                              <p:cond delay="0"/>
-                            </p:stCondLst>
-                            <p:childTnLst>
-                              <p:par>
-                                <p:cTn id="37" presetID="1" presetClass="entr" presetSubtype="0" fill="hold" grpId="0" nodeType="clickEffect">
-                                  <p:stCondLst>
-                                    <p:cond delay="0"/>
-                                  </p:stCondLst>
-                                  <p:childTnLst>
-                                    <p:set>
-                                      <p:cBhvr>
-                                        <p:cTn id="38" dur="1" fill="hold">
-                                          <p:stCondLst>
-                                            <p:cond delay="0"/>
-                                          </p:stCondLst>
-                                        </p:cTn>
-                                        <p:tgtEl>
-                                          <p:spTgt spid="3">
-                                            <p:txEl>
-                                              <p:pRg st="7" end="7"/>
-                                            </p:txEl>
-                                          </p:spTgt>
-                                        </p:tgtEl>
-                                        <p:attrNameLst>
-                                          <p:attrName>style.visibility</p:attrName>
-                                        </p:attrNameLst>
-                                      </p:cBhvr>
-                                      <p:to>
-                                        <p:strVal val="visible"/>
-                                      </p:to>
-                                    </p:set>
-                                  </p:childTnLst>
-                                </p:cTn>
-                              </p:par>
-                            </p:childTnLst>
-                          </p:cTn>
-                        </p:par>
-                      </p:childTnLst>
-                    </p:cTn>
-                  </p:par>
-                  <p:par>
-                    <p:cTn id="39" fill="hold">
-                      <p:stCondLst>
-                        <p:cond delay="indefinite"/>
-                      </p:stCondLst>
-                      <p:childTnLst>
-                        <p:par>
-                          <p:cTn id="40" fill="hold">
-                            <p:stCondLst>
-                              <p:cond delay="0"/>
-                            </p:stCondLst>
-                            <p:childTnLst>
-                              <p:par>
-                                <p:cTn id="41" presetID="1" presetClass="entr" presetSubtype="0" fill="hold" grpId="0" nodeType="clickEffect">
-                                  <p:stCondLst>
-                                    <p:cond delay="0"/>
-                                  </p:stCondLst>
-                                  <p:childTnLst>
-                                    <p:set>
-                                      <p:cBhvr>
-                                        <p:cTn id="42" dur="1" fill="hold">
-                                          <p:stCondLst>
-                                            <p:cond delay="0"/>
-                                          </p:stCondLst>
-                                        </p:cTn>
-                                        <p:tgtEl>
-                                          <p:spTgt spid="3">
-                                            <p:txEl>
-                                              <p:pRg st="8" end="8"/>
-                                            </p:txEl>
-                                          </p:spTgt>
-                                        </p:tgtEl>
-                                        <p:attrNameLst>
-                                          <p:attrName>style.visibility</p:attrName>
-                                        </p:attrNameLst>
-                                      </p:cBhvr>
-                                      <p:to>
-                                        <p:strVal val="visible"/>
-                                      </p:to>
-                                    </p:set>
-                                  </p:childTnLst>
-                                </p:cTn>
-                              </p:par>
-                            </p:childTnLst>
-                          </p:cTn>
-                        </p:par>
-                      </p:childTnLst>
-                    </p:cTn>
-                  </p:par>
-                  <p:par>
-                    <p:cTn id="43" fill="hold">
-                      <p:stCondLst>
-                        <p:cond delay="indefinite"/>
-                      </p:stCondLst>
-                      <p:childTnLst>
-                        <p:par>
-                          <p:cTn id="44" fill="hold">
-                            <p:stCondLst>
-                              <p:cond delay="0"/>
-                            </p:stCondLst>
-                            <p:childTnLst>
-                              <p:par>
-                                <p:cTn id="45" presetID="1" presetClass="entr" presetSubtype="0" fill="hold" grpId="0" nodeType="clickEffect">
-                                  <p:stCondLst>
-                                    <p:cond delay="0"/>
-                                  </p:stCondLst>
-                                  <p:childTnLst>
-                                    <p:set>
-                                      <p:cBhvr>
-                                        <p:cTn id="46" dur="1" fill="hold">
-                                          <p:stCondLst>
-                                            <p:cond delay="0"/>
-                                          </p:stCondLst>
-                                        </p:cTn>
-                                        <p:tgtEl>
-                                          <p:spTgt spid="3">
-                                            <p:txEl>
-                                              <p:pRg st="9" end="9"/>
-                                            </p:txEl>
-                                          </p:spTgt>
-                                        </p:tgtEl>
-                                        <p:attrNameLst>
-                                          <p:attrName>style.visibility</p:attrName>
-                                        </p:attrNameLst>
-                                      </p:cBhvr>
-                                      <p:to>
-                                        <p:strVal val="visible"/>
-                                      </p:to>
-                                    </p:set>
-                                  </p:childTnLst>
-                                </p:cTn>
-                              </p:par>
-                            </p:childTnLst>
-                          </p:cTn>
-                        </p:par>
-                      </p:childTnLst>
-                    </p:cTn>
-                  </p:par>
-                  <p:par>
-                    <p:cTn id="47" fill="hold">
-                      <p:stCondLst>
-                        <p:cond delay="indefinite"/>
-                      </p:stCondLst>
-                      <p:childTnLst>
-                        <p:par>
-                          <p:cTn id="48" fill="hold">
-                            <p:stCondLst>
-                              <p:cond delay="0"/>
-                            </p:stCondLst>
-                            <p:childTnLst>
-                              <p:par>
-                                <p:cTn id="49" presetID="1" presetClass="entr" presetSubtype="0" fill="hold" grpId="0" nodeType="clickEffect">
-                                  <p:stCondLst>
-                                    <p:cond delay="0"/>
-                                  </p:stCondLst>
-                                  <p:childTnLst>
-                                    <p:set>
-                                      <p:cBhvr>
-                                        <p:cTn id="50" dur="1" fill="hold">
-                                          <p:stCondLst>
-                                            <p:cond delay="0"/>
-                                          </p:stCondLst>
-                                        </p:cTn>
-                                        <p:tgtEl>
-                                          <p:spTgt spid="3">
-                                            <p:txEl>
-                                              <p:pRg st="10" end="10"/>
-                                            </p:txEl>
-                                          </p:spTgt>
-                                        </p:tgtEl>
-                                        <p:attrNameLst>
-                                          <p:attrName>style.visibility</p:attrName>
-                                        </p:attrNameLst>
-                                      </p:cBhvr>
-                                      <p:to>
-                                        <p:strVal val="visible"/>
-                                      </p:to>
-                                    </p:set>
-                                  </p:childTnLst>
-                                </p:cTn>
-                              </p:par>
-                            </p:childTnLst>
-                          </p:cTn>
-                        </p:par>
-                      </p:childTnLst>
-                    </p:cTn>
-                  </p:par>
-                  <p:par>
-                    <p:cTn id="51" fill="hold">
-                      <p:stCondLst>
-                        <p:cond delay="indefinite"/>
-                      </p:stCondLst>
-                      <p:childTnLst>
-                        <p:par>
-                          <p:cTn id="52" fill="hold">
-                            <p:stCondLst>
-                              <p:cond delay="0"/>
-                            </p:stCondLst>
-                            <p:childTnLst>
-                              <p:par>
-                                <p:cTn id="53" presetID="1" presetClass="entr" presetSubtype="0" fill="hold" grpId="0" nodeType="clickEffect">
-                                  <p:stCondLst>
-                                    <p:cond delay="0"/>
-                                  </p:stCondLst>
-                                  <p:childTnLst>
-                                    <p:set>
-                                      <p:cBhvr>
-                                        <p:cTn id="54" dur="1" fill="hold">
-                                          <p:stCondLst>
-                                            <p:cond delay="0"/>
-                                          </p:stCondLst>
-                                        </p:cTn>
-                                        <p:tgtEl>
-                                          <p:spTgt spid="3">
-                                            <p:txEl>
-                                              <p:pRg st="11" end="11"/>
-                                            </p:txEl>
-                                          </p:spTgt>
-                                        </p:tgtEl>
-                                        <p:attrNameLst>
-                                          <p:attrName>style.visibility</p:attrName>
-                                        </p:attrNameLst>
-                                      </p:cBhvr>
-                                      <p:to>
-                                        <p:strVal val="visible"/>
-                                      </p:to>
-                                    </p:set>
-                                  </p:childTnLst>
-                                </p:cTn>
-                              </p:par>
-                            </p:childTnLst>
-                          </p:cTn>
-                        </p:par>
-                      </p:childTnLst>
-                    </p:cTn>
-                  </p:par>
-                  <p:par>
-                    <p:cTn id="55" fill="hold">
-                      <p:stCondLst>
-                        <p:cond delay="indefinite"/>
-                      </p:stCondLst>
-                      <p:childTnLst>
-                        <p:par>
-                          <p:cTn id="56" fill="hold">
-                            <p:stCondLst>
-                              <p:cond delay="0"/>
-                            </p:stCondLst>
-                            <p:childTnLst>
-                              <p:par>
-                                <p:cTn id="57" presetID="1" presetClass="entr" presetSubtype="0" fill="hold" grpId="0" nodeType="clickEffect">
-                                  <p:stCondLst>
-                                    <p:cond delay="0"/>
-                                  </p:stCondLst>
-                                  <p:childTnLst>
-                                    <p:set>
-                                      <p:cBhvr>
-                                        <p:cTn id="58" dur="1" fill="hold">
-                                          <p:stCondLst>
-                                            <p:cond delay="0"/>
-                                          </p:stCondLst>
-                                        </p:cTn>
-                                        <p:tgtEl>
-                                          <p:spTgt spid="3">
-                                            <p:txEl>
-                                              <p:pRg st="12" end="12"/>
-                                            </p:txEl>
-                                          </p:spTgt>
-                                        </p:tgtEl>
-                                        <p:attrNameLst>
-                                          <p:attrName>style.visibility</p:attrName>
-                                        </p:attrNameLst>
-                                      </p:cBhvr>
-                                      <p:to>
-                                        <p:strVal val="visible"/>
-                                      </p:to>
-                                    </p:set>
-                                  </p:childTnLst>
-                                </p:cTn>
-                              </p:par>
-                            </p:childTnLst>
-                          </p:cTn>
-                        </p:par>
-                      </p:childTnLst>
-                    </p:cTn>
-                  </p:par>
-                </p:childTnLst>
-              </p:cTn>
-              <p:prevCondLst>
-                <p:cond evt="onPrev" delay="0">
-                  <p:tgtEl>
-                    <p:sldTgt/>
-                  </p:tgtEl>
-                </p:cond>
-              </p:prevCondLst>
-              <p:nextCondLst>
-                <p:cond evt="onNext" delay="0">
-                  <p:tgtEl>
-                    <p:sldTgt/>
-                  </p:tgtEl>
-                </p:cond>
-              </p:nextCondLst>
-            </p:seq>
-          </p:childTnLst>
-        </p:cTn>
+        <p:cTn id="1" dur="indefinite" restart="never" nodeType="tmRoot"/>
       </p:par>
     </p:tnLst>
-    <p:bldLst>
-      <p:bldP spid="3" grpId="0" build="p" animBg="1"/>
-    </p:bldLst>
   </p:timing>
 </p:sld>
 </file>
@@ -21167,719 +18090,9 @@
   <p:timing>
     <p:tnLst>
       <p:par>
-        <p:cTn id="1" dur="indefinite" restart="never" nodeType="tmRoot">
-          <p:childTnLst>
-            <p:seq concurrent="1" nextAc="seek">
-              <p:cTn id="2" dur="indefinite" nodeType="mainSeq">
-                <p:childTnLst>
-                  <p:par>
-                    <p:cTn id="3" fill="hold">
-                      <p:stCondLst>
-                        <p:cond delay="indefinite"/>
-                      </p:stCondLst>
-                      <p:childTnLst>
-                        <p:par>
-                          <p:cTn id="4" fill="hold">
-                            <p:stCondLst>
-                              <p:cond delay="0"/>
-                            </p:stCondLst>
-                            <p:childTnLst>
-                              <p:par>
-                                <p:cTn id="5" presetID="1" presetClass="entr" presetSubtype="0" fill="hold" grpId="0" nodeType="clickEffect">
-                                  <p:stCondLst>
-                                    <p:cond delay="0"/>
-                                  </p:stCondLst>
-                                  <p:childTnLst>
-                                    <p:set>
-                                      <p:cBhvr>
-                                        <p:cTn id="6" dur="1" fill="hold">
-                                          <p:stCondLst>
-                                            <p:cond delay="0"/>
-                                          </p:stCondLst>
-                                        </p:cTn>
-                                        <p:tgtEl>
-                                          <p:spTgt spid="3">
-                                            <p:bg/>
-                                          </p:spTgt>
-                                        </p:tgtEl>
-                                        <p:attrNameLst>
-                                          <p:attrName>style.visibility</p:attrName>
-                                        </p:attrNameLst>
-                                      </p:cBhvr>
-                                      <p:to>
-                                        <p:strVal val="visible"/>
-                                      </p:to>
-                                    </p:set>
-                                  </p:childTnLst>
-                                </p:cTn>
-                              </p:par>
-                            </p:childTnLst>
-                          </p:cTn>
-                        </p:par>
-                      </p:childTnLst>
-                    </p:cTn>
-                  </p:par>
-                  <p:par>
-                    <p:cTn id="7" fill="hold">
-                      <p:stCondLst>
-                        <p:cond delay="indefinite"/>
-                      </p:stCondLst>
-                      <p:childTnLst>
-                        <p:par>
-                          <p:cTn id="8" fill="hold">
-                            <p:stCondLst>
-                              <p:cond delay="0"/>
-                            </p:stCondLst>
-                            <p:childTnLst>
-                              <p:par>
-                                <p:cTn id="9" presetID="1" presetClass="entr" presetSubtype="0" fill="hold" grpId="0" nodeType="clickEffect">
-                                  <p:stCondLst>
-                                    <p:cond delay="0"/>
-                                  </p:stCondLst>
-                                  <p:childTnLst>
-                                    <p:set>
-                                      <p:cBhvr>
-                                        <p:cTn id="10" dur="1" fill="hold">
-                                          <p:stCondLst>
-                                            <p:cond delay="0"/>
-                                          </p:stCondLst>
-                                        </p:cTn>
-                                        <p:tgtEl>
-                                          <p:spTgt spid="3">
-                                            <p:txEl>
-                                              <p:pRg st="0" end="0"/>
-                                            </p:txEl>
-                                          </p:spTgt>
-                                        </p:tgtEl>
-                                        <p:attrNameLst>
-                                          <p:attrName>style.visibility</p:attrName>
-                                        </p:attrNameLst>
-                                      </p:cBhvr>
-                                      <p:to>
-                                        <p:strVal val="visible"/>
-                                      </p:to>
-                                    </p:set>
-                                  </p:childTnLst>
-                                </p:cTn>
-                              </p:par>
-                            </p:childTnLst>
-                          </p:cTn>
-                        </p:par>
-                      </p:childTnLst>
-                    </p:cTn>
-                  </p:par>
-                  <p:par>
-                    <p:cTn id="11" fill="hold">
-                      <p:stCondLst>
-                        <p:cond delay="indefinite"/>
-                      </p:stCondLst>
-                      <p:childTnLst>
-                        <p:par>
-                          <p:cTn id="12" fill="hold">
-                            <p:stCondLst>
-                              <p:cond delay="0"/>
-                            </p:stCondLst>
-                            <p:childTnLst>
-                              <p:par>
-                                <p:cTn id="13" presetID="1" presetClass="entr" presetSubtype="0" fill="hold" grpId="0" nodeType="clickEffect">
-                                  <p:stCondLst>
-                                    <p:cond delay="0"/>
-                                  </p:stCondLst>
-                                  <p:childTnLst>
-                                    <p:set>
-                                      <p:cBhvr>
-                                        <p:cTn id="14" dur="1" fill="hold">
-                                          <p:stCondLst>
-                                            <p:cond delay="0"/>
-                                          </p:stCondLst>
-                                        </p:cTn>
-                                        <p:tgtEl>
-                                          <p:spTgt spid="3">
-                                            <p:txEl>
-                                              <p:pRg st="1" end="1"/>
-                                            </p:txEl>
-                                          </p:spTgt>
-                                        </p:tgtEl>
-                                        <p:attrNameLst>
-                                          <p:attrName>style.visibility</p:attrName>
-                                        </p:attrNameLst>
-                                      </p:cBhvr>
-                                      <p:to>
-                                        <p:strVal val="visible"/>
-                                      </p:to>
-                                    </p:set>
-                                  </p:childTnLst>
-                                </p:cTn>
-                              </p:par>
-                            </p:childTnLst>
-                          </p:cTn>
-                        </p:par>
-                      </p:childTnLst>
-                    </p:cTn>
-                  </p:par>
-                  <p:par>
-                    <p:cTn id="15" fill="hold">
-                      <p:stCondLst>
-                        <p:cond delay="indefinite"/>
-                      </p:stCondLst>
-                      <p:childTnLst>
-                        <p:par>
-                          <p:cTn id="16" fill="hold">
-                            <p:stCondLst>
-                              <p:cond delay="0"/>
-                            </p:stCondLst>
-                            <p:childTnLst>
-                              <p:par>
-                                <p:cTn id="17" presetID="1" presetClass="entr" presetSubtype="0" fill="hold" grpId="0" nodeType="clickEffect">
-                                  <p:stCondLst>
-                                    <p:cond delay="0"/>
-                                  </p:stCondLst>
-                                  <p:childTnLst>
-                                    <p:set>
-                                      <p:cBhvr>
-                                        <p:cTn id="18" dur="1" fill="hold">
-                                          <p:stCondLst>
-                                            <p:cond delay="0"/>
-                                          </p:stCondLst>
-                                        </p:cTn>
-                                        <p:tgtEl>
-                                          <p:spTgt spid="3">
-                                            <p:txEl>
-                                              <p:pRg st="2" end="2"/>
-                                            </p:txEl>
-                                          </p:spTgt>
-                                        </p:tgtEl>
-                                        <p:attrNameLst>
-                                          <p:attrName>style.visibility</p:attrName>
-                                        </p:attrNameLst>
-                                      </p:cBhvr>
-                                      <p:to>
-                                        <p:strVal val="visible"/>
-                                      </p:to>
-                                    </p:set>
-                                  </p:childTnLst>
-                                </p:cTn>
-                              </p:par>
-                            </p:childTnLst>
-                          </p:cTn>
-                        </p:par>
-                      </p:childTnLst>
-                    </p:cTn>
-                  </p:par>
-                  <p:par>
-                    <p:cTn id="19" fill="hold">
-                      <p:stCondLst>
-                        <p:cond delay="indefinite"/>
-                      </p:stCondLst>
-                      <p:childTnLst>
-                        <p:par>
-                          <p:cTn id="20" fill="hold">
-                            <p:stCondLst>
-                              <p:cond delay="0"/>
-                            </p:stCondLst>
-                            <p:childTnLst>
-                              <p:par>
-                                <p:cTn id="21" presetID="1" presetClass="entr" presetSubtype="0" fill="hold" grpId="0" nodeType="clickEffect">
-                                  <p:stCondLst>
-                                    <p:cond delay="0"/>
-                                  </p:stCondLst>
-                                  <p:childTnLst>
-                                    <p:set>
-                                      <p:cBhvr>
-                                        <p:cTn id="22" dur="1" fill="hold">
-                                          <p:stCondLst>
-                                            <p:cond delay="0"/>
-                                          </p:stCondLst>
-                                        </p:cTn>
-                                        <p:tgtEl>
-                                          <p:spTgt spid="3">
-                                            <p:txEl>
-                                              <p:pRg st="3" end="3"/>
-                                            </p:txEl>
-                                          </p:spTgt>
-                                        </p:tgtEl>
-                                        <p:attrNameLst>
-                                          <p:attrName>style.visibility</p:attrName>
-                                        </p:attrNameLst>
-                                      </p:cBhvr>
-                                      <p:to>
-                                        <p:strVal val="visible"/>
-                                      </p:to>
-                                    </p:set>
-                                  </p:childTnLst>
-                                </p:cTn>
-                              </p:par>
-                            </p:childTnLst>
-                          </p:cTn>
-                        </p:par>
-                      </p:childTnLst>
-                    </p:cTn>
-                  </p:par>
-                  <p:par>
-                    <p:cTn id="23" fill="hold">
-                      <p:stCondLst>
-                        <p:cond delay="indefinite"/>
-                      </p:stCondLst>
-                      <p:childTnLst>
-                        <p:par>
-                          <p:cTn id="24" fill="hold">
-                            <p:stCondLst>
-                              <p:cond delay="0"/>
-                            </p:stCondLst>
-                            <p:childTnLst>
-                              <p:par>
-                                <p:cTn id="25" presetID="1" presetClass="entr" presetSubtype="0" fill="hold" grpId="0" nodeType="clickEffect">
-                                  <p:stCondLst>
-                                    <p:cond delay="0"/>
-                                  </p:stCondLst>
-                                  <p:childTnLst>
-                                    <p:set>
-                                      <p:cBhvr>
-                                        <p:cTn id="26" dur="1" fill="hold">
-                                          <p:stCondLst>
-                                            <p:cond delay="0"/>
-                                          </p:stCondLst>
-                                        </p:cTn>
-                                        <p:tgtEl>
-                                          <p:spTgt spid="3">
-                                            <p:txEl>
-                                              <p:pRg st="4" end="4"/>
-                                            </p:txEl>
-                                          </p:spTgt>
-                                        </p:tgtEl>
-                                        <p:attrNameLst>
-                                          <p:attrName>style.visibility</p:attrName>
-                                        </p:attrNameLst>
-                                      </p:cBhvr>
-                                      <p:to>
-                                        <p:strVal val="visible"/>
-                                      </p:to>
-                                    </p:set>
-                                  </p:childTnLst>
-                                </p:cTn>
-                              </p:par>
-                            </p:childTnLst>
-                          </p:cTn>
-                        </p:par>
-                      </p:childTnLst>
-                    </p:cTn>
-                  </p:par>
-                  <p:par>
-                    <p:cTn id="27" fill="hold">
-                      <p:stCondLst>
-                        <p:cond delay="indefinite"/>
-                      </p:stCondLst>
-                      <p:childTnLst>
-                        <p:par>
-                          <p:cTn id="28" fill="hold">
-                            <p:stCondLst>
-                              <p:cond delay="0"/>
-                            </p:stCondLst>
-                            <p:childTnLst>
-                              <p:par>
-                                <p:cTn id="29" presetID="1" presetClass="entr" presetSubtype="0" fill="hold" grpId="0" nodeType="clickEffect">
-                                  <p:stCondLst>
-                                    <p:cond delay="0"/>
-                                  </p:stCondLst>
-                                  <p:childTnLst>
-                                    <p:set>
-                                      <p:cBhvr>
-                                        <p:cTn id="30" dur="1" fill="hold">
-                                          <p:stCondLst>
-                                            <p:cond delay="0"/>
-                                          </p:stCondLst>
-                                        </p:cTn>
-                                        <p:tgtEl>
-                                          <p:spTgt spid="3">
-                                            <p:txEl>
-                                              <p:pRg st="5" end="5"/>
-                                            </p:txEl>
-                                          </p:spTgt>
-                                        </p:tgtEl>
-                                        <p:attrNameLst>
-                                          <p:attrName>style.visibility</p:attrName>
-                                        </p:attrNameLst>
-                                      </p:cBhvr>
-                                      <p:to>
-                                        <p:strVal val="visible"/>
-                                      </p:to>
-                                    </p:set>
-                                  </p:childTnLst>
-                                </p:cTn>
-                              </p:par>
-                            </p:childTnLst>
-                          </p:cTn>
-                        </p:par>
-                      </p:childTnLst>
-                    </p:cTn>
-                  </p:par>
-                  <p:par>
-                    <p:cTn id="31" fill="hold">
-                      <p:stCondLst>
-                        <p:cond delay="indefinite"/>
-                      </p:stCondLst>
-                      <p:childTnLst>
-                        <p:par>
-                          <p:cTn id="32" fill="hold">
-                            <p:stCondLst>
-                              <p:cond delay="0"/>
-                            </p:stCondLst>
-                            <p:childTnLst>
-                              <p:par>
-                                <p:cTn id="33" presetID="1" presetClass="entr" presetSubtype="0" fill="hold" grpId="0" nodeType="clickEffect">
-                                  <p:stCondLst>
-                                    <p:cond delay="0"/>
-                                  </p:stCondLst>
-                                  <p:childTnLst>
-                                    <p:set>
-                                      <p:cBhvr>
-                                        <p:cTn id="34" dur="1" fill="hold">
-                                          <p:stCondLst>
-                                            <p:cond delay="0"/>
-                                          </p:stCondLst>
-                                        </p:cTn>
-                                        <p:tgtEl>
-                                          <p:spTgt spid="3">
-                                            <p:txEl>
-                                              <p:pRg st="6" end="6"/>
-                                            </p:txEl>
-                                          </p:spTgt>
-                                        </p:tgtEl>
-                                        <p:attrNameLst>
-                                          <p:attrName>style.visibility</p:attrName>
-                                        </p:attrNameLst>
-                                      </p:cBhvr>
-                                      <p:to>
-                                        <p:strVal val="visible"/>
-                                      </p:to>
-                                    </p:set>
-                                  </p:childTnLst>
-                                </p:cTn>
-                              </p:par>
-                            </p:childTnLst>
-                          </p:cTn>
-                        </p:par>
-                      </p:childTnLst>
-                    </p:cTn>
-                  </p:par>
-                  <p:par>
-                    <p:cTn id="35" fill="hold">
-                      <p:stCondLst>
-                        <p:cond delay="indefinite"/>
-                      </p:stCondLst>
-                      <p:childTnLst>
-                        <p:par>
-                          <p:cTn id="36" fill="hold">
-                            <p:stCondLst>
-                              <p:cond delay="0"/>
-                            </p:stCondLst>
-                            <p:childTnLst>
-                              <p:par>
-                                <p:cTn id="37" presetID="1" presetClass="entr" presetSubtype="0" fill="hold" grpId="0" nodeType="clickEffect">
-                                  <p:stCondLst>
-                                    <p:cond delay="0"/>
-                                  </p:stCondLst>
-                                  <p:childTnLst>
-                                    <p:set>
-                                      <p:cBhvr>
-                                        <p:cTn id="38" dur="1" fill="hold">
-                                          <p:stCondLst>
-                                            <p:cond delay="0"/>
-                                          </p:stCondLst>
-                                        </p:cTn>
-                                        <p:tgtEl>
-                                          <p:spTgt spid="3">
-                                            <p:txEl>
-                                              <p:pRg st="7" end="7"/>
-                                            </p:txEl>
-                                          </p:spTgt>
-                                        </p:tgtEl>
-                                        <p:attrNameLst>
-                                          <p:attrName>style.visibility</p:attrName>
-                                        </p:attrNameLst>
-                                      </p:cBhvr>
-                                      <p:to>
-                                        <p:strVal val="visible"/>
-                                      </p:to>
-                                    </p:set>
-                                  </p:childTnLst>
-                                </p:cTn>
-                              </p:par>
-                            </p:childTnLst>
-                          </p:cTn>
-                        </p:par>
-                      </p:childTnLst>
-                    </p:cTn>
-                  </p:par>
-                  <p:par>
-                    <p:cTn id="39" fill="hold">
-                      <p:stCondLst>
-                        <p:cond delay="indefinite"/>
-                      </p:stCondLst>
-                      <p:childTnLst>
-                        <p:par>
-                          <p:cTn id="40" fill="hold">
-                            <p:stCondLst>
-                              <p:cond delay="0"/>
-                            </p:stCondLst>
-                            <p:childTnLst>
-                              <p:par>
-                                <p:cTn id="41" presetID="1" presetClass="entr" presetSubtype="0" fill="hold" grpId="0" nodeType="clickEffect">
-                                  <p:stCondLst>
-                                    <p:cond delay="0"/>
-                                  </p:stCondLst>
-                                  <p:childTnLst>
-                                    <p:set>
-                                      <p:cBhvr>
-                                        <p:cTn id="42" dur="1" fill="hold">
-                                          <p:stCondLst>
-                                            <p:cond delay="0"/>
-                                          </p:stCondLst>
-                                        </p:cTn>
-                                        <p:tgtEl>
-                                          <p:spTgt spid="3">
-                                            <p:txEl>
-                                              <p:pRg st="8" end="8"/>
-                                            </p:txEl>
-                                          </p:spTgt>
-                                        </p:tgtEl>
-                                        <p:attrNameLst>
-                                          <p:attrName>style.visibility</p:attrName>
-                                        </p:attrNameLst>
-                                      </p:cBhvr>
-                                      <p:to>
-                                        <p:strVal val="visible"/>
-                                      </p:to>
-                                    </p:set>
-                                  </p:childTnLst>
-                                </p:cTn>
-                              </p:par>
-                            </p:childTnLst>
-                          </p:cTn>
-                        </p:par>
-                      </p:childTnLst>
-                    </p:cTn>
-                  </p:par>
-                  <p:par>
-                    <p:cTn id="43" fill="hold">
-                      <p:stCondLst>
-                        <p:cond delay="indefinite"/>
-                      </p:stCondLst>
-                      <p:childTnLst>
-                        <p:par>
-                          <p:cTn id="44" fill="hold">
-                            <p:stCondLst>
-                              <p:cond delay="0"/>
-                            </p:stCondLst>
-                            <p:childTnLst>
-                              <p:par>
-                                <p:cTn id="45" presetID="1" presetClass="entr" presetSubtype="0" fill="hold" grpId="0" nodeType="clickEffect">
-                                  <p:stCondLst>
-                                    <p:cond delay="0"/>
-                                  </p:stCondLst>
-                                  <p:childTnLst>
-                                    <p:set>
-                                      <p:cBhvr>
-                                        <p:cTn id="46" dur="1" fill="hold">
-                                          <p:stCondLst>
-                                            <p:cond delay="0"/>
-                                          </p:stCondLst>
-                                        </p:cTn>
-                                        <p:tgtEl>
-                                          <p:spTgt spid="3">
-                                            <p:txEl>
-                                              <p:pRg st="9" end="9"/>
-                                            </p:txEl>
-                                          </p:spTgt>
-                                        </p:tgtEl>
-                                        <p:attrNameLst>
-                                          <p:attrName>style.visibility</p:attrName>
-                                        </p:attrNameLst>
-                                      </p:cBhvr>
-                                      <p:to>
-                                        <p:strVal val="visible"/>
-                                      </p:to>
-                                    </p:set>
-                                  </p:childTnLst>
-                                </p:cTn>
-                              </p:par>
-                            </p:childTnLst>
-                          </p:cTn>
-                        </p:par>
-                      </p:childTnLst>
-                    </p:cTn>
-                  </p:par>
-                  <p:par>
-                    <p:cTn id="47" fill="hold">
-                      <p:stCondLst>
-                        <p:cond delay="indefinite"/>
-                      </p:stCondLst>
-                      <p:childTnLst>
-                        <p:par>
-                          <p:cTn id="48" fill="hold">
-                            <p:stCondLst>
-                              <p:cond delay="0"/>
-                            </p:stCondLst>
-                            <p:childTnLst>
-                              <p:par>
-                                <p:cTn id="49" presetID="1" presetClass="entr" presetSubtype="0" fill="hold" grpId="0" nodeType="clickEffect">
-                                  <p:stCondLst>
-                                    <p:cond delay="0"/>
-                                  </p:stCondLst>
-                                  <p:childTnLst>
-                                    <p:set>
-                                      <p:cBhvr>
-                                        <p:cTn id="50" dur="1" fill="hold">
-                                          <p:stCondLst>
-                                            <p:cond delay="0"/>
-                                          </p:stCondLst>
-                                        </p:cTn>
-                                        <p:tgtEl>
-                                          <p:spTgt spid="3">
-                                            <p:txEl>
-                                              <p:pRg st="10" end="10"/>
-                                            </p:txEl>
-                                          </p:spTgt>
-                                        </p:tgtEl>
-                                        <p:attrNameLst>
-                                          <p:attrName>style.visibility</p:attrName>
-                                        </p:attrNameLst>
-                                      </p:cBhvr>
-                                      <p:to>
-                                        <p:strVal val="visible"/>
-                                      </p:to>
-                                    </p:set>
-                                  </p:childTnLst>
-                                </p:cTn>
-                              </p:par>
-                            </p:childTnLst>
-                          </p:cTn>
-                        </p:par>
-                      </p:childTnLst>
-                    </p:cTn>
-                  </p:par>
-                  <p:par>
-                    <p:cTn id="51" fill="hold">
-                      <p:stCondLst>
-                        <p:cond delay="indefinite"/>
-                      </p:stCondLst>
-                      <p:childTnLst>
-                        <p:par>
-                          <p:cTn id="52" fill="hold">
-                            <p:stCondLst>
-                              <p:cond delay="0"/>
-                            </p:stCondLst>
-                            <p:childTnLst>
-                              <p:par>
-                                <p:cTn id="53" presetID="1" presetClass="entr" presetSubtype="0" fill="hold" grpId="0" nodeType="clickEffect">
-                                  <p:stCondLst>
-                                    <p:cond delay="0"/>
-                                  </p:stCondLst>
-                                  <p:childTnLst>
-                                    <p:set>
-                                      <p:cBhvr>
-                                        <p:cTn id="54" dur="1" fill="hold">
-                                          <p:stCondLst>
-                                            <p:cond delay="0"/>
-                                          </p:stCondLst>
-                                        </p:cTn>
-                                        <p:tgtEl>
-                                          <p:spTgt spid="3">
-                                            <p:txEl>
-                                              <p:pRg st="11" end="11"/>
-                                            </p:txEl>
-                                          </p:spTgt>
-                                        </p:tgtEl>
-                                        <p:attrNameLst>
-                                          <p:attrName>style.visibility</p:attrName>
-                                        </p:attrNameLst>
-                                      </p:cBhvr>
-                                      <p:to>
-                                        <p:strVal val="visible"/>
-                                      </p:to>
-                                    </p:set>
-                                  </p:childTnLst>
-                                </p:cTn>
-                              </p:par>
-                            </p:childTnLst>
-                          </p:cTn>
-                        </p:par>
-                      </p:childTnLst>
-                    </p:cTn>
-                  </p:par>
-                  <p:par>
-                    <p:cTn id="55" fill="hold">
-                      <p:stCondLst>
-                        <p:cond delay="indefinite"/>
-                      </p:stCondLst>
-                      <p:childTnLst>
-                        <p:par>
-                          <p:cTn id="56" fill="hold">
-                            <p:stCondLst>
-                              <p:cond delay="0"/>
-                            </p:stCondLst>
-                            <p:childTnLst>
-                              <p:par>
-                                <p:cTn id="57" presetID="1" presetClass="entr" presetSubtype="0" fill="hold" grpId="0" nodeType="clickEffect">
-                                  <p:stCondLst>
-                                    <p:cond delay="0"/>
-                                  </p:stCondLst>
-                                  <p:childTnLst>
-                                    <p:set>
-                                      <p:cBhvr>
-                                        <p:cTn id="58" dur="1" fill="hold">
-                                          <p:stCondLst>
-                                            <p:cond delay="0"/>
-                                          </p:stCondLst>
-                                        </p:cTn>
-                                        <p:tgtEl>
-                                          <p:spTgt spid="3">
-                                            <p:txEl>
-                                              <p:pRg st="12" end="12"/>
-                                            </p:txEl>
-                                          </p:spTgt>
-                                        </p:tgtEl>
-                                        <p:attrNameLst>
-                                          <p:attrName>style.visibility</p:attrName>
-                                        </p:attrNameLst>
-                                      </p:cBhvr>
-                                      <p:to>
-                                        <p:strVal val="visible"/>
-                                      </p:to>
-                                    </p:set>
-                                  </p:childTnLst>
-                                </p:cTn>
-                              </p:par>
-                            </p:childTnLst>
-                          </p:cTn>
-                        </p:par>
-                      </p:childTnLst>
-                    </p:cTn>
-                  </p:par>
-                </p:childTnLst>
-              </p:cTn>
-              <p:prevCondLst>
-                <p:cond evt="onPrev" delay="0">
-                  <p:tgtEl>
-                    <p:sldTgt/>
-                  </p:tgtEl>
-                </p:cond>
-              </p:prevCondLst>
-              <p:nextCondLst>
-                <p:cond evt="onNext" delay="0">
-                  <p:tgtEl>
-                    <p:sldTgt/>
-                  </p:tgtEl>
-                </p:cond>
-              </p:nextCondLst>
-            </p:seq>
-          </p:childTnLst>
-        </p:cTn>
+        <p:cTn id="1" dur="indefinite" restart="never" nodeType="tmRoot"/>
       </p:par>
     </p:tnLst>
-    <p:bldLst>
-      <p:bldP spid="3" grpId="0" build="p" animBg="1"/>
-    </p:bldLst>
   </p:timing>
 </p:sld>
 </file>
@@ -22433,376 +18646,9 @@
   <p:timing>
     <p:tnLst>
       <p:par>
-        <p:cTn id="1" dur="indefinite" restart="never" nodeType="tmRoot">
-          <p:childTnLst>
-            <p:seq concurrent="1" nextAc="seek">
-              <p:cTn id="2" dur="indefinite" nodeType="mainSeq">
-                <p:childTnLst>
-                  <p:par>
-                    <p:cTn id="3" fill="hold">
-                      <p:stCondLst>
-                        <p:cond delay="indefinite"/>
-                      </p:stCondLst>
-                      <p:childTnLst>
-                        <p:par>
-                          <p:cTn id="4" fill="hold">
-                            <p:stCondLst>
-                              <p:cond delay="0"/>
-                            </p:stCondLst>
-                            <p:childTnLst>
-                              <p:par>
-                                <p:cTn id="5" presetID="1" presetClass="entr" presetSubtype="0" fill="hold" grpId="0" nodeType="clickEffect">
-                                  <p:stCondLst>
-                                    <p:cond delay="0"/>
-                                  </p:stCondLst>
-                                  <p:childTnLst>
-                                    <p:set>
-                                      <p:cBhvr>
-                                        <p:cTn id="6" dur="1" fill="hold">
-                                          <p:stCondLst>
-                                            <p:cond delay="0"/>
-                                          </p:stCondLst>
-                                        </p:cTn>
-                                        <p:tgtEl>
-                                          <p:spTgt spid="3">
-                                            <p:bg/>
-                                          </p:spTgt>
-                                        </p:tgtEl>
-                                        <p:attrNameLst>
-                                          <p:attrName>style.visibility</p:attrName>
-                                        </p:attrNameLst>
-                                      </p:cBhvr>
-                                      <p:to>
-                                        <p:strVal val="visible"/>
-                                      </p:to>
-                                    </p:set>
-                                  </p:childTnLst>
-                                </p:cTn>
-                              </p:par>
-                            </p:childTnLst>
-                          </p:cTn>
-                        </p:par>
-                      </p:childTnLst>
-                    </p:cTn>
-                  </p:par>
-                  <p:par>
-                    <p:cTn id="7" fill="hold">
-                      <p:stCondLst>
-                        <p:cond delay="indefinite"/>
-                      </p:stCondLst>
-                      <p:childTnLst>
-                        <p:par>
-                          <p:cTn id="8" fill="hold">
-                            <p:stCondLst>
-                              <p:cond delay="0"/>
-                            </p:stCondLst>
-                            <p:childTnLst>
-                              <p:par>
-                                <p:cTn id="9" presetID="1" presetClass="entr" presetSubtype="0" fill="hold" grpId="0" nodeType="clickEffect">
-                                  <p:stCondLst>
-                                    <p:cond delay="0"/>
-                                  </p:stCondLst>
-                                  <p:childTnLst>
-                                    <p:set>
-                                      <p:cBhvr>
-                                        <p:cTn id="10" dur="1" fill="hold">
-                                          <p:stCondLst>
-                                            <p:cond delay="0"/>
-                                          </p:stCondLst>
-                                        </p:cTn>
-                                        <p:tgtEl>
-                                          <p:spTgt spid="3">
-                                            <p:txEl>
-                                              <p:pRg st="0" end="0"/>
-                                            </p:txEl>
-                                          </p:spTgt>
-                                        </p:tgtEl>
-                                        <p:attrNameLst>
-                                          <p:attrName>style.visibility</p:attrName>
-                                        </p:attrNameLst>
-                                      </p:cBhvr>
-                                      <p:to>
-                                        <p:strVal val="visible"/>
-                                      </p:to>
-                                    </p:set>
-                                  </p:childTnLst>
-                                </p:cTn>
-                              </p:par>
-                            </p:childTnLst>
-                          </p:cTn>
-                        </p:par>
-                      </p:childTnLst>
-                    </p:cTn>
-                  </p:par>
-                  <p:par>
-                    <p:cTn id="11" fill="hold">
-                      <p:stCondLst>
-                        <p:cond delay="indefinite"/>
-                      </p:stCondLst>
-                      <p:childTnLst>
-                        <p:par>
-                          <p:cTn id="12" fill="hold">
-                            <p:stCondLst>
-                              <p:cond delay="0"/>
-                            </p:stCondLst>
-                            <p:childTnLst>
-                              <p:par>
-                                <p:cTn id="13" presetID="1" presetClass="entr" presetSubtype="0" fill="hold" grpId="0" nodeType="clickEffect">
-                                  <p:stCondLst>
-                                    <p:cond delay="0"/>
-                                  </p:stCondLst>
-                                  <p:childTnLst>
-                                    <p:set>
-                                      <p:cBhvr>
-                                        <p:cTn id="14" dur="1" fill="hold">
-                                          <p:stCondLst>
-                                            <p:cond delay="0"/>
-                                          </p:stCondLst>
-                                        </p:cTn>
-                                        <p:tgtEl>
-                                          <p:spTgt spid="3">
-                                            <p:txEl>
-                                              <p:pRg st="1" end="1"/>
-                                            </p:txEl>
-                                          </p:spTgt>
-                                        </p:tgtEl>
-                                        <p:attrNameLst>
-                                          <p:attrName>style.visibility</p:attrName>
-                                        </p:attrNameLst>
-                                      </p:cBhvr>
-                                      <p:to>
-                                        <p:strVal val="visible"/>
-                                      </p:to>
-                                    </p:set>
-                                  </p:childTnLst>
-                                </p:cTn>
-                              </p:par>
-                            </p:childTnLst>
-                          </p:cTn>
-                        </p:par>
-                      </p:childTnLst>
-                    </p:cTn>
-                  </p:par>
-                  <p:par>
-                    <p:cTn id="15" fill="hold">
-                      <p:stCondLst>
-                        <p:cond delay="indefinite"/>
-                      </p:stCondLst>
-                      <p:childTnLst>
-                        <p:par>
-                          <p:cTn id="16" fill="hold">
-                            <p:stCondLst>
-                              <p:cond delay="0"/>
-                            </p:stCondLst>
-                            <p:childTnLst>
-                              <p:par>
-                                <p:cTn id="17" presetID="1" presetClass="entr" presetSubtype="0" fill="hold" grpId="0" nodeType="clickEffect">
-                                  <p:stCondLst>
-                                    <p:cond delay="0"/>
-                                  </p:stCondLst>
-                                  <p:childTnLst>
-                                    <p:set>
-                                      <p:cBhvr>
-                                        <p:cTn id="18" dur="1" fill="hold">
-                                          <p:stCondLst>
-                                            <p:cond delay="0"/>
-                                          </p:stCondLst>
-                                        </p:cTn>
-                                        <p:tgtEl>
-                                          <p:spTgt spid="3">
-                                            <p:txEl>
-                                              <p:pRg st="2" end="2"/>
-                                            </p:txEl>
-                                          </p:spTgt>
-                                        </p:tgtEl>
-                                        <p:attrNameLst>
-                                          <p:attrName>style.visibility</p:attrName>
-                                        </p:attrNameLst>
-                                      </p:cBhvr>
-                                      <p:to>
-                                        <p:strVal val="visible"/>
-                                      </p:to>
-                                    </p:set>
-                                  </p:childTnLst>
-                                </p:cTn>
-                              </p:par>
-                            </p:childTnLst>
-                          </p:cTn>
-                        </p:par>
-                      </p:childTnLst>
-                    </p:cTn>
-                  </p:par>
-                  <p:par>
-                    <p:cTn id="19" fill="hold">
-                      <p:stCondLst>
-                        <p:cond delay="indefinite"/>
-                      </p:stCondLst>
-                      <p:childTnLst>
-                        <p:par>
-                          <p:cTn id="20" fill="hold">
-                            <p:stCondLst>
-                              <p:cond delay="0"/>
-                            </p:stCondLst>
-                            <p:childTnLst>
-                              <p:par>
-                                <p:cTn id="21" presetID="1" presetClass="entr" presetSubtype="0" fill="hold" grpId="0" nodeType="clickEffect">
-                                  <p:stCondLst>
-                                    <p:cond delay="0"/>
-                                  </p:stCondLst>
-                                  <p:childTnLst>
-                                    <p:set>
-                                      <p:cBhvr>
-                                        <p:cTn id="22" dur="1" fill="hold">
-                                          <p:stCondLst>
-                                            <p:cond delay="0"/>
-                                          </p:stCondLst>
-                                        </p:cTn>
-                                        <p:tgtEl>
-                                          <p:spTgt spid="3">
-                                            <p:txEl>
-                                              <p:pRg st="3" end="3"/>
-                                            </p:txEl>
-                                          </p:spTgt>
-                                        </p:tgtEl>
-                                        <p:attrNameLst>
-                                          <p:attrName>style.visibility</p:attrName>
-                                        </p:attrNameLst>
-                                      </p:cBhvr>
-                                      <p:to>
-                                        <p:strVal val="visible"/>
-                                      </p:to>
-                                    </p:set>
-                                  </p:childTnLst>
-                                </p:cTn>
-                              </p:par>
-                            </p:childTnLst>
-                          </p:cTn>
-                        </p:par>
-                      </p:childTnLst>
-                    </p:cTn>
-                  </p:par>
-                  <p:par>
-                    <p:cTn id="23" fill="hold">
-                      <p:stCondLst>
-                        <p:cond delay="indefinite"/>
-                      </p:stCondLst>
-                      <p:childTnLst>
-                        <p:par>
-                          <p:cTn id="24" fill="hold">
-                            <p:stCondLst>
-                              <p:cond delay="0"/>
-                            </p:stCondLst>
-                            <p:childTnLst>
-                              <p:par>
-                                <p:cTn id="25" presetID="1" presetClass="entr" presetSubtype="0" fill="hold" grpId="0" nodeType="clickEffect">
-                                  <p:stCondLst>
-                                    <p:cond delay="0"/>
-                                  </p:stCondLst>
-                                  <p:childTnLst>
-                                    <p:set>
-                                      <p:cBhvr>
-                                        <p:cTn id="26" dur="1" fill="hold">
-                                          <p:stCondLst>
-                                            <p:cond delay="0"/>
-                                          </p:stCondLst>
-                                        </p:cTn>
-                                        <p:tgtEl>
-                                          <p:spTgt spid="3">
-                                            <p:txEl>
-                                              <p:pRg st="4" end="4"/>
-                                            </p:txEl>
-                                          </p:spTgt>
-                                        </p:tgtEl>
-                                        <p:attrNameLst>
-                                          <p:attrName>style.visibility</p:attrName>
-                                        </p:attrNameLst>
-                                      </p:cBhvr>
-                                      <p:to>
-                                        <p:strVal val="visible"/>
-                                      </p:to>
-                                    </p:set>
-                                  </p:childTnLst>
-                                </p:cTn>
-                              </p:par>
-                            </p:childTnLst>
-                          </p:cTn>
-                        </p:par>
-                      </p:childTnLst>
-                    </p:cTn>
-                  </p:par>
-                  <p:par>
-                    <p:cTn id="27" fill="hold">
-                      <p:stCondLst>
-                        <p:cond delay="indefinite"/>
-                      </p:stCondLst>
-                      <p:childTnLst>
-                        <p:par>
-                          <p:cTn id="28" fill="hold">
-                            <p:stCondLst>
-                              <p:cond delay="0"/>
-                            </p:stCondLst>
-                            <p:childTnLst>
-                              <p:par>
-                                <p:cTn id="29" presetID="1" presetClass="entr" presetSubtype="0" fill="hold" grpId="0" nodeType="clickEffect">
-                                  <p:stCondLst>
-                                    <p:cond delay="0"/>
-                                  </p:stCondLst>
-                                  <p:childTnLst>
-                                    <p:set>
-                                      <p:cBhvr>
-                                        <p:cTn id="30" dur="1" fill="hold">
-                                          <p:stCondLst>
-                                            <p:cond delay="0"/>
-                                          </p:stCondLst>
-                                        </p:cTn>
-                                        <p:tgtEl>
-                                          <p:spTgt spid="3">
-                                            <p:txEl>
-                                              <p:pRg st="5" end="5"/>
-                                            </p:txEl>
-                                          </p:spTgt>
-                                        </p:tgtEl>
-                                        <p:attrNameLst>
-                                          <p:attrName>style.visibility</p:attrName>
-                                        </p:attrNameLst>
-                                      </p:cBhvr>
-                                      <p:to>
-                                        <p:strVal val="visible"/>
-                                      </p:to>
-                                    </p:set>
-                                  </p:childTnLst>
-                                </p:cTn>
-                              </p:par>
-                            </p:childTnLst>
-                          </p:cTn>
-                        </p:par>
-                      </p:childTnLst>
-                    </p:cTn>
-                  </p:par>
-                </p:childTnLst>
-              </p:cTn>
-              <p:prevCondLst>
-                <p:cond evt="onPrev" delay="0">
-                  <p:tgtEl>
-                    <p:sldTgt/>
-                  </p:tgtEl>
-                </p:cond>
-              </p:prevCondLst>
-              <p:nextCondLst>
-                <p:cond evt="onNext" delay="0">
-                  <p:tgtEl>
-                    <p:sldTgt/>
-                  </p:tgtEl>
-                </p:cond>
-              </p:nextCondLst>
-            </p:seq>
-          </p:childTnLst>
-        </p:cTn>
+        <p:cTn id="1" dur="indefinite" restart="never" nodeType="tmRoot"/>
       </p:par>
     </p:tnLst>
-    <p:bldLst>
-      <p:bldP spid="3" grpId="0" build="p" animBg="1"/>
-    </p:bldLst>
   </p:timing>
 </p:sld>
 </file>
@@ -23978,33 +19824,15 @@
                                   </p:childTnLst>
                                 </p:cTn>
                               </p:par>
-                            </p:childTnLst>
-                          </p:cTn>
-                        </p:par>
-                      </p:childTnLst>
-                    </p:cTn>
-                  </p:par>
-                  <p:par>
-                    <p:cTn id="7" fill="hold">
-                      <p:stCondLst>
-                        <p:cond delay="indefinite"/>
-                      </p:stCondLst>
-                      <p:childTnLst>
-                        <p:par>
-                          <p:cTn id="8" fill="hold">
-                            <p:stCondLst>
-                              <p:cond delay="0"/>
-                            </p:stCondLst>
-                            <p:childTnLst>
                               <p:par>
-                                <p:cTn id="9" presetID="1" presetClass="entr" presetSubtype="0" fill="hold" grpId="0" nodeType="clickEffect">
+                                <p:cTn id="7" presetID="1" presetClass="entr" presetSubtype="0" fill="hold" grpId="0" nodeType="withEffect">
                                   <p:stCondLst>
                                     <p:cond delay="0"/>
                                   </p:stCondLst>
                                   <p:childTnLst>
                                     <p:set>
                                       <p:cBhvr>
-                                        <p:cTn id="10" dur="1" fill="hold">
+                                        <p:cTn id="8" dur="1" fill="hold">
                                           <p:stCondLst>
                                             <p:cond delay="0"/>
                                           </p:stCondLst>
@@ -24027,33 +19855,15 @@
                                   </p:childTnLst>
                                 </p:cTn>
                               </p:par>
-                            </p:childTnLst>
-                          </p:cTn>
-                        </p:par>
-                      </p:childTnLst>
-                    </p:cTn>
-                  </p:par>
-                  <p:par>
-                    <p:cTn id="11" fill="hold">
-                      <p:stCondLst>
-                        <p:cond delay="indefinite"/>
-                      </p:stCondLst>
-                      <p:childTnLst>
-                        <p:par>
-                          <p:cTn id="12" fill="hold">
-                            <p:stCondLst>
-                              <p:cond delay="0"/>
-                            </p:stCondLst>
-                            <p:childTnLst>
                               <p:par>
-                                <p:cTn id="13" presetID="1" presetClass="entr" presetSubtype="0" fill="hold" grpId="0" nodeType="clickEffect">
+                                <p:cTn id="9" presetID="1" presetClass="entr" presetSubtype="0" fill="hold" grpId="0" nodeType="withEffect">
                                   <p:stCondLst>
                                     <p:cond delay="0"/>
                                   </p:stCondLst>
                                   <p:childTnLst>
                                     <p:set>
                                       <p:cBhvr>
-                                        <p:cTn id="14" dur="1" fill="hold">
+                                        <p:cTn id="10" dur="1" fill="hold">
                                           <p:stCondLst>
                                             <p:cond delay="0"/>
                                           </p:stCondLst>
@@ -24076,33 +19886,15 @@
                                   </p:childTnLst>
                                 </p:cTn>
                               </p:par>
-                            </p:childTnLst>
-                          </p:cTn>
-                        </p:par>
-                      </p:childTnLst>
-                    </p:cTn>
-                  </p:par>
-                  <p:par>
-                    <p:cTn id="15" fill="hold">
-                      <p:stCondLst>
-                        <p:cond delay="indefinite"/>
-                      </p:stCondLst>
-                      <p:childTnLst>
-                        <p:par>
-                          <p:cTn id="16" fill="hold">
-                            <p:stCondLst>
-                              <p:cond delay="0"/>
-                            </p:stCondLst>
-                            <p:childTnLst>
                               <p:par>
-                                <p:cTn id="17" presetID="1" presetClass="entr" presetSubtype="0" fill="hold" grpId="0" nodeType="clickEffect">
+                                <p:cTn id="11" presetID="1" presetClass="entr" presetSubtype="0" fill="hold" grpId="0" nodeType="withEffect">
                                   <p:stCondLst>
                                     <p:cond delay="0"/>
                                   </p:stCondLst>
                                   <p:childTnLst>
                                     <p:set>
                                       <p:cBhvr>
-                                        <p:cTn id="18" dur="1" fill="hold">
+                                        <p:cTn id="12" dur="1" fill="hold">
                                           <p:stCondLst>
                                             <p:cond delay="0"/>
                                           </p:stCondLst>
@@ -24125,33 +19917,15 @@
                                   </p:childTnLst>
                                 </p:cTn>
                               </p:par>
-                            </p:childTnLst>
-                          </p:cTn>
-                        </p:par>
-                      </p:childTnLst>
-                    </p:cTn>
-                  </p:par>
-                  <p:par>
-                    <p:cTn id="19" fill="hold">
-                      <p:stCondLst>
-                        <p:cond delay="indefinite"/>
-                      </p:stCondLst>
-                      <p:childTnLst>
-                        <p:par>
-                          <p:cTn id="20" fill="hold">
-                            <p:stCondLst>
-                              <p:cond delay="0"/>
-                            </p:stCondLst>
-                            <p:childTnLst>
                               <p:par>
-                                <p:cTn id="21" presetID="1" presetClass="entr" presetSubtype="0" fill="hold" grpId="0" nodeType="clickEffect">
+                                <p:cTn id="13" presetID="1" presetClass="entr" presetSubtype="0" fill="hold" grpId="0" nodeType="withEffect">
                                   <p:stCondLst>
                                     <p:cond delay="0"/>
                                   </p:stCondLst>
                                   <p:childTnLst>
                                     <p:set>
                                       <p:cBhvr>
-                                        <p:cTn id="22" dur="1" fill="hold">
+                                        <p:cTn id="14" dur="1" fill="hold">
                                           <p:stCondLst>
                                             <p:cond delay="0"/>
                                           </p:stCondLst>
@@ -24174,26 +19948,163 @@
                                   </p:childTnLst>
                                 </p:cTn>
                               </p:par>
-                            </p:childTnLst>
-                          </p:cTn>
-                        </p:par>
-                      </p:childTnLst>
-                    </p:cTn>
-                  </p:par>
-                  <p:par>
-                    <p:cTn id="23" fill="hold">
-                      <p:stCondLst>
-                        <p:cond delay="indefinite"/>
-                      </p:stCondLst>
-                      <p:childTnLst>
-                        <p:par>
-                          <p:cTn id="24" fill="hold">
-                            <p:stCondLst>
-                              <p:cond delay="0"/>
-                            </p:stCondLst>
-                            <p:childTnLst>
                               <p:par>
-                                <p:cTn id="25" presetID="1" presetClass="entr" presetSubtype="0" fill="hold" grpId="0" nodeType="clickEffect">
+                                <p:cTn id="15" presetID="1" presetClass="entr" presetSubtype="0" fill="hold" grpId="0" nodeType="withEffect">
+                                  <p:stCondLst>
+                                    <p:cond delay="0"/>
+                                  </p:stCondLst>
+                                  <p:childTnLst>
+                                    <p:set>
+                                      <p:cBhvr>
+                                        <p:cTn id="16" dur="1" fill="hold">
+                                          <p:stCondLst>
+                                            <p:cond delay="0"/>
+                                          </p:stCondLst>
+                                        </p:cTn>
+                                        <p:tgtEl>
+                                          <p:spTgt spid="3">
+                                            <p:txEl>
+                                              <p:pRg st="4" end="4"/>
+                                            </p:txEl>
+                                          </p:spTgt>
+                                        </p:tgtEl>
+                                        <p:attrNameLst>
+                                          <p:attrName>style.visibility</p:attrName>
+                                        </p:attrNameLst>
+                                      </p:cBhvr>
+                                      <p:to>
+                                        <p:strVal val="visible"/>
+                                      </p:to>
+                                    </p:set>
+                                  </p:childTnLst>
+                                </p:cTn>
+                              </p:par>
+                              <p:par>
+                                <p:cTn id="17" presetID="1" presetClass="entr" presetSubtype="0" fill="hold" grpId="0" nodeType="withEffect">
+                                  <p:stCondLst>
+                                    <p:cond delay="0"/>
+                                  </p:stCondLst>
+                                  <p:childTnLst>
+                                    <p:set>
+                                      <p:cBhvr>
+                                        <p:cTn id="18" dur="1" fill="hold">
+                                          <p:stCondLst>
+                                            <p:cond delay="0"/>
+                                          </p:stCondLst>
+                                        </p:cTn>
+                                        <p:tgtEl>
+                                          <p:spTgt spid="3">
+                                            <p:txEl>
+                                              <p:pRg st="5" end="5"/>
+                                            </p:txEl>
+                                          </p:spTgt>
+                                        </p:tgtEl>
+                                        <p:attrNameLst>
+                                          <p:attrName>style.visibility</p:attrName>
+                                        </p:attrNameLst>
+                                      </p:cBhvr>
+                                      <p:to>
+                                        <p:strVal val="visible"/>
+                                      </p:to>
+                                    </p:set>
+                                  </p:childTnLst>
+                                </p:cTn>
+                              </p:par>
+                              <p:par>
+                                <p:cTn id="19" presetID="1" presetClass="entr" presetSubtype="0" fill="hold" grpId="0" nodeType="withEffect">
+                                  <p:stCondLst>
+                                    <p:cond delay="0"/>
+                                  </p:stCondLst>
+                                  <p:childTnLst>
+                                    <p:set>
+                                      <p:cBhvr>
+                                        <p:cTn id="20" dur="1" fill="hold">
+                                          <p:stCondLst>
+                                            <p:cond delay="0"/>
+                                          </p:stCondLst>
+                                        </p:cTn>
+                                        <p:tgtEl>
+                                          <p:spTgt spid="3">
+                                            <p:txEl>
+                                              <p:pRg st="6" end="6"/>
+                                            </p:txEl>
+                                          </p:spTgt>
+                                        </p:tgtEl>
+                                        <p:attrNameLst>
+                                          <p:attrName>style.visibility</p:attrName>
+                                        </p:attrNameLst>
+                                      </p:cBhvr>
+                                      <p:to>
+                                        <p:strVal val="visible"/>
+                                      </p:to>
+                                    </p:set>
+                                  </p:childTnLst>
+                                </p:cTn>
+                              </p:par>
+                              <p:par>
+                                <p:cTn id="21" presetID="1" presetClass="entr" presetSubtype="0" fill="hold" grpId="0" nodeType="withEffect">
+                                  <p:stCondLst>
+                                    <p:cond delay="0"/>
+                                  </p:stCondLst>
+                                  <p:childTnLst>
+                                    <p:set>
+                                      <p:cBhvr>
+                                        <p:cTn id="22" dur="1" fill="hold">
+                                          <p:stCondLst>
+                                            <p:cond delay="0"/>
+                                          </p:stCondLst>
+                                        </p:cTn>
+                                        <p:tgtEl>
+                                          <p:spTgt spid="3">
+                                            <p:txEl>
+                                              <p:pRg st="7" end="7"/>
+                                            </p:txEl>
+                                          </p:spTgt>
+                                        </p:tgtEl>
+                                        <p:attrNameLst>
+                                          <p:attrName>style.visibility</p:attrName>
+                                        </p:attrNameLst>
+                                      </p:cBhvr>
+                                      <p:to>
+                                        <p:strVal val="visible"/>
+                                      </p:to>
+                                    </p:set>
+                                  </p:childTnLst>
+                                </p:cTn>
+                              </p:par>
+                              <p:par>
+                                <p:cTn id="23" presetID="1" presetClass="entr" presetSubtype="0" fill="hold" grpId="0" nodeType="withEffect">
+                                  <p:stCondLst>
+                                    <p:cond delay="0"/>
+                                  </p:stCondLst>
+                                  <p:childTnLst>
+                                    <p:set>
+                                      <p:cBhvr>
+                                        <p:cTn id="24" dur="1" fill="hold">
+                                          <p:stCondLst>
+                                            <p:cond delay="0"/>
+                                          </p:stCondLst>
+                                        </p:cTn>
+                                        <p:tgtEl>
+                                          <p:spTgt spid="3">
+                                            <p:txEl>
+                                              <p:pRg st="8" end="8"/>
+                                            </p:txEl>
+                                          </p:spTgt>
+                                        </p:tgtEl>
+                                        <p:attrNameLst>
+                                          <p:attrName>style.visibility</p:attrName>
+                                        </p:attrNameLst>
+                                      </p:cBhvr>
+                                      <p:to>
+                                        <p:strVal val="visible"/>
+                                      </p:to>
+                                    </p:set>
+                                  </p:childTnLst>
+                                </p:cTn>
+                              </p:par>
+                              <p:par>
+                                <p:cTn id="25" presetID="1" presetClass="entr" presetSubtype="0" fill="hold" grpId="0" nodeType="withEffect">
                                   <p:stCondLst>
                                     <p:cond delay="0"/>
                                   </p:stCondLst>
@@ -24208,7 +20119,7 @@
                                         <p:tgtEl>
                                           <p:spTgt spid="3">
                                             <p:txEl>
-                                              <p:pRg st="4" end="4"/>
+                                              <p:pRg st="9" end="9"/>
                                             </p:txEl>
                                           </p:spTgt>
                                         </p:tgtEl>
@@ -24255,251 +20166,6 @@
                                           </p:stCondLst>
                                         </p:cTn>
                                         <p:tgtEl>
-                                          <p:spTgt spid="3">
-                                            <p:txEl>
-                                              <p:pRg st="5" end="5"/>
-                                            </p:txEl>
-                                          </p:spTgt>
-                                        </p:tgtEl>
-                                        <p:attrNameLst>
-                                          <p:attrName>style.visibility</p:attrName>
-                                        </p:attrNameLst>
-                                      </p:cBhvr>
-                                      <p:to>
-                                        <p:strVal val="visible"/>
-                                      </p:to>
-                                    </p:set>
-                                  </p:childTnLst>
-                                </p:cTn>
-                              </p:par>
-                            </p:childTnLst>
-                          </p:cTn>
-                        </p:par>
-                      </p:childTnLst>
-                    </p:cTn>
-                  </p:par>
-                  <p:par>
-                    <p:cTn id="31" fill="hold">
-                      <p:stCondLst>
-                        <p:cond delay="indefinite"/>
-                      </p:stCondLst>
-                      <p:childTnLst>
-                        <p:par>
-                          <p:cTn id="32" fill="hold">
-                            <p:stCondLst>
-                              <p:cond delay="0"/>
-                            </p:stCondLst>
-                            <p:childTnLst>
-                              <p:par>
-                                <p:cTn id="33" presetID="1" presetClass="entr" presetSubtype="0" fill="hold" grpId="0" nodeType="clickEffect">
-                                  <p:stCondLst>
-                                    <p:cond delay="0"/>
-                                  </p:stCondLst>
-                                  <p:childTnLst>
-                                    <p:set>
-                                      <p:cBhvr>
-                                        <p:cTn id="34" dur="1" fill="hold">
-                                          <p:stCondLst>
-                                            <p:cond delay="0"/>
-                                          </p:stCondLst>
-                                        </p:cTn>
-                                        <p:tgtEl>
-                                          <p:spTgt spid="3">
-                                            <p:txEl>
-                                              <p:pRg st="6" end="6"/>
-                                            </p:txEl>
-                                          </p:spTgt>
-                                        </p:tgtEl>
-                                        <p:attrNameLst>
-                                          <p:attrName>style.visibility</p:attrName>
-                                        </p:attrNameLst>
-                                      </p:cBhvr>
-                                      <p:to>
-                                        <p:strVal val="visible"/>
-                                      </p:to>
-                                    </p:set>
-                                  </p:childTnLst>
-                                </p:cTn>
-                              </p:par>
-                            </p:childTnLst>
-                          </p:cTn>
-                        </p:par>
-                      </p:childTnLst>
-                    </p:cTn>
-                  </p:par>
-                  <p:par>
-                    <p:cTn id="35" fill="hold">
-                      <p:stCondLst>
-                        <p:cond delay="indefinite"/>
-                      </p:stCondLst>
-                      <p:childTnLst>
-                        <p:par>
-                          <p:cTn id="36" fill="hold">
-                            <p:stCondLst>
-                              <p:cond delay="0"/>
-                            </p:stCondLst>
-                            <p:childTnLst>
-                              <p:par>
-                                <p:cTn id="37" presetID="1" presetClass="entr" presetSubtype="0" fill="hold" grpId="0" nodeType="clickEffect">
-                                  <p:stCondLst>
-                                    <p:cond delay="0"/>
-                                  </p:stCondLst>
-                                  <p:childTnLst>
-                                    <p:set>
-                                      <p:cBhvr>
-                                        <p:cTn id="38" dur="1" fill="hold">
-                                          <p:stCondLst>
-                                            <p:cond delay="0"/>
-                                          </p:stCondLst>
-                                        </p:cTn>
-                                        <p:tgtEl>
-                                          <p:spTgt spid="3">
-                                            <p:txEl>
-                                              <p:pRg st="7" end="7"/>
-                                            </p:txEl>
-                                          </p:spTgt>
-                                        </p:tgtEl>
-                                        <p:attrNameLst>
-                                          <p:attrName>style.visibility</p:attrName>
-                                        </p:attrNameLst>
-                                      </p:cBhvr>
-                                      <p:to>
-                                        <p:strVal val="visible"/>
-                                      </p:to>
-                                    </p:set>
-                                  </p:childTnLst>
-                                </p:cTn>
-                              </p:par>
-                            </p:childTnLst>
-                          </p:cTn>
-                        </p:par>
-                      </p:childTnLst>
-                    </p:cTn>
-                  </p:par>
-                  <p:par>
-                    <p:cTn id="39" fill="hold">
-                      <p:stCondLst>
-                        <p:cond delay="indefinite"/>
-                      </p:stCondLst>
-                      <p:childTnLst>
-                        <p:par>
-                          <p:cTn id="40" fill="hold">
-                            <p:stCondLst>
-                              <p:cond delay="0"/>
-                            </p:stCondLst>
-                            <p:childTnLst>
-                              <p:par>
-                                <p:cTn id="41" presetID="1" presetClass="entr" presetSubtype="0" fill="hold" grpId="0" nodeType="clickEffect">
-                                  <p:stCondLst>
-                                    <p:cond delay="0"/>
-                                  </p:stCondLst>
-                                  <p:childTnLst>
-                                    <p:set>
-                                      <p:cBhvr>
-                                        <p:cTn id="42" dur="1" fill="hold">
-                                          <p:stCondLst>
-                                            <p:cond delay="0"/>
-                                          </p:stCondLst>
-                                        </p:cTn>
-                                        <p:tgtEl>
-                                          <p:spTgt spid="3">
-                                            <p:txEl>
-                                              <p:pRg st="8" end="8"/>
-                                            </p:txEl>
-                                          </p:spTgt>
-                                        </p:tgtEl>
-                                        <p:attrNameLst>
-                                          <p:attrName>style.visibility</p:attrName>
-                                        </p:attrNameLst>
-                                      </p:cBhvr>
-                                      <p:to>
-                                        <p:strVal val="visible"/>
-                                      </p:to>
-                                    </p:set>
-                                  </p:childTnLst>
-                                </p:cTn>
-                              </p:par>
-                            </p:childTnLst>
-                          </p:cTn>
-                        </p:par>
-                      </p:childTnLst>
-                    </p:cTn>
-                  </p:par>
-                  <p:par>
-                    <p:cTn id="43" fill="hold">
-                      <p:stCondLst>
-                        <p:cond delay="indefinite"/>
-                      </p:stCondLst>
-                      <p:childTnLst>
-                        <p:par>
-                          <p:cTn id="44" fill="hold">
-                            <p:stCondLst>
-                              <p:cond delay="0"/>
-                            </p:stCondLst>
-                            <p:childTnLst>
-                              <p:par>
-                                <p:cTn id="45" presetID="1" presetClass="entr" presetSubtype="0" fill="hold" grpId="0" nodeType="clickEffect">
-                                  <p:stCondLst>
-                                    <p:cond delay="0"/>
-                                  </p:stCondLst>
-                                  <p:childTnLst>
-                                    <p:set>
-                                      <p:cBhvr>
-                                        <p:cTn id="46" dur="1" fill="hold">
-                                          <p:stCondLst>
-                                            <p:cond delay="0"/>
-                                          </p:stCondLst>
-                                        </p:cTn>
-                                        <p:tgtEl>
-                                          <p:spTgt spid="3">
-                                            <p:txEl>
-                                              <p:pRg st="9" end="9"/>
-                                            </p:txEl>
-                                          </p:spTgt>
-                                        </p:tgtEl>
-                                        <p:attrNameLst>
-                                          <p:attrName>style.visibility</p:attrName>
-                                        </p:attrNameLst>
-                                      </p:cBhvr>
-                                      <p:to>
-                                        <p:strVal val="visible"/>
-                                      </p:to>
-                                    </p:set>
-                                  </p:childTnLst>
-                                </p:cTn>
-                              </p:par>
-                            </p:childTnLst>
-                          </p:cTn>
-                        </p:par>
-                      </p:childTnLst>
-                    </p:cTn>
-                  </p:par>
-                  <p:par>
-                    <p:cTn id="47" fill="hold">
-                      <p:stCondLst>
-                        <p:cond delay="indefinite"/>
-                      </p:stCondLst>
-                      <p:childTnLst>
-                        <p:par>
-                          <p:cTn id="48" fill="hold">
-                            <p:stCondLst>
-                              <p:cond delay="0"/>
-                            </p:stCondLst>
-                            <p:childTnLst>
-                              <p:par>
-                                <p:cTn id="49" presetID="1" presetClass="entr" presetSubtype="0" fill="hold" grpId="0" nodeType="clickEffect">
-                                  <p:stCondLst>
-                                    <p:cond delay="0"/>
-                                  </p:stCondLst>
-                                  <p:childTnLst>
-                                    <p:set>
-                                      <p:cBhvr>
-                                        <p:cTn id="50" dur="1" fill="hold">
-                                          <p:stCondLst>
-                                            <p:cond delay="0"/>
-                                          </p:stCondLst>
-                                        </p:cTn>
-                                        <p:tgtEl>
                                           <p:spTgt spid="5">
                                             <p:bg/>
                                           </p:spTgt>
@@ -24515,33 +20181,15 @@
                                   </p:childTnLst>
                                 </p:cTn>
                               </p:par>
-                            </p:childTnLst>
-                          </p:cTn>
-                        </p:par>
-                      </p:childTnLst>
-                    </p:cTn>
-                  </p:par>
-                  <p:par>
-                    <p:cTn id="51" fill="hold">
-                      <p:stCondLst>
-                        <p:cond delay="indefinite"/>
-                      </p:stCondLst>
-                      <p:childTnLst>
-                        <p:par>
-                          <p:cTn id="52" fill="hold">
-                            <p:stCondLst>
-                              <p:cond delay="0"/>
-                            </p:stCondLst>
-                            <p:childTnLst>
                               <p:par>
-                                <p:cTn id="53" presetID="1" presetClass="entr" presetSubtype="0" fill="hold" grpId="0" nodeType="clickEffect">
+                                <p:cTn id="31" presetID="1" presetClass="entr" presetSubtype="0" fill="hold" grpId="0" nodeType="withEffect">
                                   <p:stCondLst>
                                     <p:cond delay="0"/>
                                   </p:stCondLst>
                                   <p:childTnLst>
                                     <p:set>
                                       <p:cBhvr>
-                                        <p:cTn id="54" dur="1" fill="hold">
+                                        <p:cTn id="32" dur="1" fill="hold">
                                           <p:stCondLst>
                                             <p:cond delay="0"/>
                                           </p:stCondLst>
@@ -24564,33 +20212,15 @@
                                   </p:childTnLst>
                                 </p:cTn>
                               </p:par>
-                            </p:childTnLst>
-                          </p:cTn>
-                        </p:par>
-                      </p:childTnLst>
-                    </p:cTn>
-                  </p:par>
-                  <p:par>
-                    <p:cTn id="55" fill="hold">
-                      <p:stCondLst>
-                        <p:cond delay="indefinite"/>
-                      </p:stCondLst>
-                      <p:childTnLst>
-                        <p:par>
-                          <p:cTn id="56" fill="hold">
-                            <p:stCondLst>
-                              <p:cond delay="0"/>
-                            </p:stCondLst>
-                            <p:childTnLst>
                               <p:par>
-                                <p:cTn id="57" presetID="1" presetClass="entr" presetSubtype="0" fill="hold" grpId="0" nodeType="clickEffect">
+                                <p:cTn id="33" presetID="1" presetClass="entr" presetSubtype="0" fill="hold" grpId="0" nodeType="withEffect">
                                   <p:stCondLst>
                                     <p:cond delay="0"/>
                                   </p:stCondLst>
                                   <p:childTnLst>
                                     <p:set>
                                       <p:cBhvr>
-                                        <p:cTn id="58" dur="1" fill="hold">
+                                        <p:cTn id="34" dur="1" fill="hold">
                                           <p:stCondLst>
                                             <p:cond delay="0"/>
                                           </p:stCondLst>
@@ -24613,33 +20243,15 @@
                                   </p:childTnLst>
                                 </p:cTn>
                               </p:par>
-                            </p:childTnLst>
-                          </p:cTn>
-                        </p:par>
-                      </p:childTnLst>
-                    </p:cTn>
-                  </p:par>
-                  <p:par>
-                    <p:cTn id="59" fill="hold">
-                      <p:stCondLst>
-                        <p:cond delay="indefinite"/>
-                      </p:stCondLst>
-                      <p:childTnLst>
-                        <p:par>
-                          <p:cTn id="60" fill="hold">
-                            <p:stCondLst>
-                              <p:cond delay="0"/>
-                            </p:stCondLst>
-                            <p:childTnLst>
                               <p:par>
-                                <p:cTn id="61" presetID="1" presetClass="entr" presetSubtype="0" fill="hold" grpId="0" nodeType="clickEffect">
+                                <p:cTn id="35" presetID="1" presetClass="entr" presetSubtype="0" fill="hold" grpId="0" nodeType="withEffect">
                                   <p:stCondLst>
                                     <p:cond delay="0"/>
                                   </p:stCondLst>
                                   <p:childTnLst>
                                     <p:set>
                                       <p:cBhvr>
-                                        <p:cTn id="62" dur="1" fill="hold">
+                                        <p:cTn id="36" dur="1" fill="hold">
                                           <p:stCondLst>
                                             <p:cond delay="0"/>
                                           </p:stCondLst>
@@ -24662,33 +20274,15 @@
                                   </p:childTnLst>
                                 </p:cTn>
                               </p:par>
-                            </p:childTnLst>
-                          </p:cTn>
-                        </p:par>
-                      </p:childTnLst>
-                    </p:cTn>
-                  </p:par>
-                  <p:par>
-                    <p:cTn id="63" fill="hold">
-                      <p:stCondLst>
-                        <p:cond delay="indefinite"/>
-                      </p:stCondLst>
-                      <p:childTnLst>
-                        <p:par>
-                          <p:cTn id="64" fill="hold">
-                            <p:stCondLst>
-                              <p:cond delay="0"/>
-                            </p:stCondLst>
-                            <p:childTnLst>
                               <p:par>
-                                <p:cTn id="65" presetID="1" presetClass="entr" presetSubtype="0" fill="hold" grpId="0" nodeType="clickEffect">
+                                <p:cTn id="37" presetID="1" presetClass="entr" presetSubtype="0" fill="hold" grpId="0" nodeType="withEffect">
                                   <p:stCondLst>
                                     <p:cond delay="0"/>
                                   </p:stCondLst>
                                   <p:childTnLst>
                                     <p:set>
                                       <p:cBhvr>
-                                        <p:cTn id="66" dur="1" fill="hold">
+                                        <p:cTn id="38" dur="1" fill="hold">
                                           <p:stCondLst>
                                             <p:cond delay="0"/>
                                           </p:stCondLst>
@@ -24711,33 +20305,15 @@
                                   </p:childTnLst>
                                 </p:cTn>
                               </p:par>
-                            </p:childTnLst>
-                          </p:cTn>
-                        </p:par>
-                      </p:childTnLst>
-                    </p:cTn>
-                  </p:par>
-                  <p:par>
-                    <p:cTn id="67" fill="hold">
-                      <p:stCondLst>
-                        <p:cond delay="indefinite"/>
-                      </p:stCondLst>
-                      <p:childTnLst>
-                        <p:par>
-                          <p:cTn id="68" fill="hold">
-                            <p:stCondLst>
-                              <p:cond delay="0"/>
-                            </p:stCondLst>
-                            <p:childTnLst>
                               <p:par>
-                                <p:cTn id="69" presetID="1" presetClass="entr" presetSubtype="0" fill="hold" grpId="0" nodeType="clickEffect">
+                                <p:cTn id="39" presetID="1" presetClass="entr" presetSubtype="0" fill="hold" grpId="0" nodeType="withEffect">
                                   <p:stCondLst>
                                     <p:cond delay="0"/>
                                   </p:stCondLst>
                                   <p:childTnLst>
                                     <p:set>
                                       <p:cBhvr>
-                                        <p:cTn id="70" dur="1" fill="hold">
+                                        <p:cTn id="40" dur="1" fill="hold">
                                           <p:stCondLst>
                                             <p:cond delay="0"/>
                                           </p:stCondLst>
@@ -24760,33 +20336,15 @@
                                   </p:childTnLst>
                                 </p:cTn>
                               </p:par>
-                            </p:childTnLst>
-                          </p:cTn>
-                        </p:par>
-                      </p:childTnLst>
-                    </p:cTn>
-                  </p:par>
-                  <p:par>
-                    <p:cTn id="71" fill="hold">
-                      <p:stCondLst>
-                        <p:cond delay="indefinite"/>
-                      </p:stCondLst>
-                      <p:childTnLst>
-                        <p:par>
-                          <p:cTn id="72" fill="hold">
-                            <p:stCondLst>
-                              <p:cond delay="0"/>
-                            </p:stCondLst>
-                            <p:childTnLst>
                               <p:par>
-                                <p:cTn id="73" presetID="1" presetClass="entr" presetSubtype="0" fill="hold" grpId="0" nodeType="clickEffect">
+                                <p:cTn id="41" presetID="1" presetClass="entr" presetSubtype="0" fill="hold" grpId="0" nodeType="withEffect">
                                   <p:stCondLst>
                                     <p:cond delay="0"/>
                                   </p:stCondLst>
                                   <p:childTnLst>
                                     <p:set>
                                       <p:cBhvr>
-                                        <p:cTn id="74" dur="1" fill="hold">
+                                        <p:cTn id="42" dur="1" fill="hold">
                                           <p:stCondLst>
                                             <p:cond delay="0"/>
                                           </p:stCondLst>
@@ -24837,8 +20395,8 @@
       </p:par>
     </p:tnLst>
     <p:bldLst>
-      <p:bldP spid="3" grpId="0" build="p" animBg="1"/>
-      <p:bldP spid="5" grpId="0" build="p" animBg="1"/>
+      <p:bldP spid="3" grpId="0" uiExpand="1" build="p" animBg="1"/>
+      <p:bldP spid="5" grpId="0" uiExpand="1" build="p" animBg="1"/>
     </p:bldLst>
   </p:timing>
 </p:sld>
@@ -25519,26 +21077,39 @@
                                   </p:childTnLst>
                                 </p:cTn>
                               </p:par>
-                            </p:childTnLst>
-                          </p:cTn>
-                        </p:par>
-                      </p:childTnLst>
-                    </p:cTn>
-                  </p:par>
-                  <p:par>
-                    <p:cTn id="7" fill="hold">
-                      <p:stCondLst>
-                        <p:cond delay="indefinite"/>
-                      </p:stCondLst>
-                      <p:childTnLst>
-                        <p:par>
-                          <p:cTn id="8" fill="hold">
-                            <p:stCondLst>
-                              <p:cond delay="0"/>
-                            </p:stCondLst>
-                            <p:childTnLst>
                               <p:par>
-                                <p:cTn id="9" presetID="1" presetClass="entr" presetSubtype="0" fill="hold" grpId="0" nodeType="clickEffect">
+                                <p:cTn id="7" presetID="1" presetClass="entr" presetSubtype="0" fill="hold" grpId="0" nodeType="withEffect">
+                                  <p:stCondLst>
+                                    <p:cond delay="0"/>
+                                  </p:stCondLst>
+                                  <p:childTnLst>
+                                    <p:set>
+                                      <p:cBhvr>
+                                        <p:cTn id="8" dur="1" fill="hold">
+                                          <p:stCondLst>
+                                            <p:cond delay="0"/>
+                                          </p:stCondLst>
+                                        </p:cTn>
+                                        <p:tgtEl>
+                                          <p:spTgt spid="3">
+                                            <p:txEl>
+                                              <p:pRg st="0" end="0"/>
+                                            </p:txEl>
+                                          </p:spTgt>
+                                        </p:tgtEl>
+                                        <p:attrNameLst>
+                                          <p:attrName>style.visibility</p:attrName>
+                                        </p:attrNameLst>
+                                      </p:cBhvr>
+                                      <p:to>
+                                        <p:strVal val="visible"/>
+                                      </p:to>
+                                    </p:set>
+                                  </p:childTnLst>
+                                </p:cTn>
+                              </p:par>
+                              <p:par>
+                                <p:cTn id="9" presetID="1" presetClass="entr" presetSubtype="0" fill="hold" grpId="0" nodeType="withEffect">
                                   <p:stCondLst>
                                     <p:cond delay="0"/>
                                   </p:stCondLst>
@@ -25553,7 +21124,7 @@
                                         <p:tgtEl>
                                           <p:spTgt spid="3">
                                             <p:txEl>
-                                              <p:pRg st="0" end="0"/>
+                                              <p:pRg st="1" end="1"/>
                                             </p:txEl>
                                           </p:spTgt>
                                         </p:tgtEl>
@@ -25600,10 +21171,8 @@
                                           </p:stCondLst>
                                         </p:cTn>
                                         <p:tgtEl>
-                                          <p:spTgt spid="3">
-                                            <p:txEl>
-                                              <p:pRg st="1" end="1"/>
-                                            </p:txEl>
+                                          <p:spTgt spid="5">
+                                            <p:bg/>
                                           </p:spTgt>
                                         </p:tgtEl>
                                         <p:attrNameLst>
@@ -25617,40 +21186,24 @@
                                   </p:childTnLst>
                                 </p:cTn>
                               </p:par>
-                            </p:childTnLst>
-                          </p:cTn>
-                        </p:par>
-                      </p:childTnLst>
-                    </p:cTn>
-                  </p:par>
-                  <p:par>
-                    <p:cTn id="15" fill="hold">
-                      <p:stCondLst>
-                        <p:cond delay="indefinite"/>
-                      </p:stCondLst>
-                      <p:childTnLst>
-                        <p:par>
-                          <p:cTn id="16" fill="hold">
-                            <p:stCondLst>
-                              <p:cond delay="0"/>
-                            </p:stCondLst>
-                            <p:childTnLst>
                               <p:par>
-                                <p:cTn id="17" presetID="1" presetClass="entr" presetSubtype="0" fill="hold" grpId="0" nodeType="clickEffect">
+                                <p:cTn id="15" presetID="1" presetClass="entr" presetSubtype="0" fill="hold" nodeType="withEffect">
                                   <p:stCondLst>
                                     <p:cond delay="0"/>
                                   </p:stCondLst>
                                   <p:childTnLst>
                                     <p:set>
                                       <p:cBhvr>
-                                        <p:cTn id="18" dur="1" fill="hold">
+                                        <p:cTn id="16" dur="1" fill="hold">
                                           <p:stCondLst>
                                             <p:cond delay="0"/>
                                           </p:stCondLst>
                                         </p:cTn>
                                         <p:tgtEl>
                                           <p:spTgt spid="5">
-                                            <p:bg/>
+                                            <p:txEl>
+                                              <p:pRg st="0" end="0"/>
+                                            </p:txEl>
                                           </p:spTgt>
                                         </p:tgtEl>
                                         <p:attrNameLst>
@@ -25692,7 +21245,7 @@
       </p:par>
     </p:tnLst>
     <p:bldLst>
-      <p:bldP spid="3" grpId="0" build="p" animBg="1"/>
+      <p:bldP spid="3" grpId="0" uiExpand="1" build="p" animBg="1"/>
       <p:bldP spid="5" grpId="0" build="p" animBg="1"/>
     </p:bldLst>
   </p:timing>
@@ -26163,15 +21716,7 @@
           <a:p>
             <a:r>
               <a:rPr lang="en-US" dirty="0" smtClean="0"/>
-              <a:t>When Should </a:t>
-            </a:r>
-            <a:r>
-              <a:rPr lang="en-US" dirty="0" smtClean="0"/>
-              <a:t>You </a:t>
-            </a:r>
-            <a:r>
-              <a:rPr lang="en-US" dirty="0" smtClean="0"/>
-              <a:t>Refactor?</a:t>
+              <a:t>When Should You Refactor?</a:t>
             </a:r>
             <a:endParaRPr lang="en-US" dirty="0"/>
           </a:p>
@@ -26590,15 +22135,7 @@
           <a:p>
             <a:r>
               <a:rPr lang="en-US" dirty="0" smtClean="0"/>
-              <a:t>When </a:t>
-            </a:r>
-            <a:r>
-              <a:rPr lang="en-US" dirty="0" smtClean="0"/>
-              <a:t>Should You </a:t>
-            </a:r>
-            <a:r>
-              <a:rPr lang="en-US" dirty="0" smtClean="0"/>
-              <a:t>Refactor?</a:t>
+              <a:t>When Should You Refactor?</a:t>
             </a:r>
             <a:endParaRPr lang="en-US" dirty="0"/>
           </a:p>
@@ -26654,7 +22191,6 @@
               <a:rPr lang="en-US" dirty="0" smtClean="0"/>
               <a:t>When you refactor, you make a point of not adding function; you only restructure the code.</a:t>
             </a:r>
-            <a:endParaRPr lang="en-US" dirty="0" smtClean="0"/>
           </a:p>
         </p:txBody>
       </p:sp>
@@ -26988,15 +22524,7 @@
           <a:p>
             <a:r>
               <a:rPr lang="en-US" dirty="0" smtClean="0"/>
-              <a:t>When Should </a:t>
-            </a:r>
-            <a:r>
-              <a:rPr lang="en-US" dirty="0" smtClean="0"/>
-              <a:t>You </a:t>
-            </a:r>
-            <a:r>
-              <a:rPr lang="en-US" dirty="0" smtClean="0"/>
-              <a:t>Refactor?</a:t>
+              <a:t>When Should You Refactor?</a:t>
             </a:r>
             <a:endParaRPr lang="en-US" dirty="0"/>
           </a:p>
@@ -27027,19 +22555,13 @@
               <a:rPr lang="en-US" dirty="0" smtClean="0"/>
               <a:t>The Rule of Three</a:t>
             </a:r>
-            <a:endParaRPr lang="en-US" dirty="0" smtClean="0"/>
           </a:p>
           <a:p>
             <a:pPr lvl="1"/>
             <a:r>
               <a:rPr lang="en-US" dirty="0" smtClean="0"/>
-              <a:t>The first time you do something, yo</a:t>
-            </a:r>
-            <a:r>
-              <a:rPr lang="en-US" dirty="0" smtClean="0"/>
-              <a:t>u just do it.</a:t>
-            </a:r>
-            <a:endParaRPr lang="en-US" dirty="0" smtClean="0"/>
+              <a:t>The first time you do something, you just do it.</a:t>
+            </a:r>
           </a:p>
           <a:p>
             <a:pPr lvl="1"/>
